--- a/day1/presentation/Java_recap.pptx
+++ b/day1/presentation/Java_recap.pptx
@@ -280,7 +280,7 @@
   </p:defaultTextStyle>
   <p:extLst>
     <p:ext uri="{EFAFB233-063F-42B5-8137-9DF3F51BA10A}">
-      <p15:sldGuideLst xmlns:p15="http://schemas.microsoft.com/office/powerpoint/2012/main"/>
+      <p15:sldGuideLst xmlns:p15="http://schemas.microsoft.com/office/powerpoint/2012/main" xmlns=""/>
     </p:ext>
   </p:extLst>
 </p:presentation>
@@ -841,7 +841,7 @@
     </p:spTree>
     <p:extLst>
       <p:ext uri="{BB962C8B-B14F-4D97-AF65-F5344CB8AC3E}">
-        <p14:creationId xmlns:p14="http://schemas.microsoft.com/office/powerpoint/2010/main" val="1876504235"/>
+        <p14:creationId xmlns:p14="http://schemas.microsoft.com/office/powerpoint/2010/main" xmlns="" val="1876504235"/>
       </p:ext>
     </p:extLst>
   </p:cSld>
@@ -947,7 +947,7 @@
     </p:spTree>
     <p:extLst>
       <p:ext uri="{BB962C8B-B14F-4D97-AF65-F5344CB8AC3E}">
-        <p14:creationId xmlns:p14="http://schemas.microsoft.com/office/powerpoint/2010/main" val="1427628067"/>
+        <p14:creationId xmlns:p14="http://schemas.microsoft.com/office/powerpoint/2010/main" xmlns="" val="1427628067"/>
       </p:ext>
     </p:extLst>
   </p:cSld>
@@ -1053,7 +1053,7 @@
     </p:spTree>
     <p:extLst>
       <p:ext uri="{BB962C8B-B14F-4D97-AF65-F5344CB8AC3E}">
-        <p14:creationId xmlns:p14="http://schemas.microsoft.com/office/powerpoint/2010/main" val="4121065204"/>
+        <p14:creationId xmlns:p14="http://schemas.microsoft.com/office/powerpoint/2010/main" xmlns="" val="4121065204"/>
       </p:ext>
     </p:extLst>
   </p:cSld>
@@ -1159,7 +1159,7 @@
     </p:spTree>
     <p:extLst>
       <p:ext uri="{BB962C8B-B14F-4D97-AF65-F5344CB8AC3E}">
-        <p14:creationId xmlns:p14="http://schemas.microsoft.com/office/powerpoint/2010/main" val="3189006538"/>
+        <p14:creationId xmlns:p14="http://schemas.microsoft.com/office/powerpoint/2010/main" xmlns="" val="3189006538"/>
       </p:ext>
     </p:extLst>
   </p:cSld>
@@ -1265,7 +1265,7 @@
     </p:spTree>
     <p:extLst>
       <p:ext uri="{BB962C8B-B14F-4D97-AF65-F5344CB8AC3E}">
-        <p14:creationId xmlns:p14="http://schemas.microsoft.com/office/powerpoint/2010/main" val="1238119498"/>
+        <p14:creationId xmlns:p14="http://schemas.microsoft.com/office/powerpoint/2010/main" xmlns="" val="1238119498"/>
       </p:ext>
     </p:extLst>
   </p:cSld>
@@ -1573,7 +1573,7 @@
     </p:spTree>
     <p:extLst>
       <p:ext uri="{BB962C8B-B14F-4D97-AF65-F5344CB8AC3E}">
-        <p14:creationId xmlns:p14="http://schemas.microsoft.com/office/powerpoint/2010/main" val="2968904442"/>
+        <p14:creationId xmlns:p14="http://schemas.microsoft.com/office/powerpoint/2010/main" xmlns="" val="2968904442"/>
       </p:ext>
     </p:extLst>
   </p:cSld>
@@ -1679,7 +1679,7 @@
     </p:spTree>
     <p:extLst>
       <p:ext uri="{BB962C8B-B14F-4D97-AF65-F5344CB8AC3E}">
-        <p14:creationId xmlns:p14="http://schemas.microsoft.com/office/powerpoint/2010/main" val="1160813056"/>
+        <p14:creationId xmlns:p14="http://schemas.microsoft.com/office/powerpoint/2010/main" xmlns="" val="1160813056"/>
       </p:ext>
     </p:extLst>
   </p:cSld>
@@ -2391,7 +2391,7 @@
     </p:spTree>
     <p:extLst>
       <p:ext uri="{BB962C8B-B14F-4D97-AF65-F5344CB8AC3E}">
-        <p14:creationId xmlns:p14="http://schemas.microsoft.com/office/powerpoint/2010/main" val="2393871325"/>
+        <p14:creationId xmlns:p14="http://schemas.microsoft.com/office/powerpoint/2010/main" xmlns="" val="2393871325"/>
       </p:ext>
     </p:extLst>
   </p:cSld>
@@ -2497,7 +2497,7 @@
     </p:spTree>
     <p:extLst>
       <p:ext uri="{BB962C8B-B14F-4D97-AF65-F5344CB8AC3E}">
-        <p14:creationId xmlns:p14="http://schemas.microsoft.com/office/powerpoint/2010/main" val="2702675727"/>
+        <p14:creationId xmlns:p14="http://schemas.microsoft.com/office/powerpoint/2010/main" xmlns="" val="2702675727"/>
       </p:ext>
     </p:extLst>
   </p:cSld>
@@ -2603,7 +2603,7 @@
     </p:spTree>
     <p:extLst>
       <p:ext uri="{BB962C8B-B14F-4D97-AF65-F5344CB8AC3E}">
-        <p14:creationId xmlns:p14="http://schemas.microsoft.com/office/powerpoint/2010/main" val="1969948709"/>
+        <p14:creationId xmlns:p14="http://schemas.microsoft.com/office/powerpoint/2010/main" xmlns="" val="1969948709"/>
       </p:ext>
     </p:extLst>
   </p:cSld>
@@ -2709,7 +2709,7 @@
     </p:spTree>
     <p:extLst>
       <p:ext uri="{BB962C8B-B14F-4D97-AF65-F5344CB8AC3E}">
-        <p14:creationId xmlns:p14="http://schemas.microsoft.com/office/powerpoint/2010/main" val="3341712199"/>
+        <p14:creationId xmlns:p14="http://schemas.microsoft.com/office/powerpoint/2010/main" xmlns="" val="3341712199"/>
       </p:ext>
     </p:extLst>
   </p:cSld>
@@ -2815,7 +2815,7 @@
     </p:spTree>
     <p:extLst>
       <p:ext uri="{BB962C8B-B14F-4D97-AF65-F5344CB8AC3E}">
-        <p14:creationId xmlns:p14="http://schemas.microsoft.com/office/powerpoint/2010/main" val="731415813"/>
+        <p14:creationId xmlns:p14="http://schemas.microsoft.com/office/powerpoint/2010/main" xmlns="" val="731415813"/>
       </p:ext>
     </p:extLst>
   </p:cSld>
@@ -3022,7 +3022,7 @@
     </p:spTree>
     <p:extLst>
       <p:ext uri="{BB962C8B-B14F-4D97-AF65-F5344CB8AC3E}">
-        <p14:creationId xmlns:p14="http://schemas.microsoft.com/office/powerpoint/2010/main" val="4254023717"/>
+        <p14:creationId xmlns:p14="http://schemas.microsoft.com/office/powerpoint/2010/main" xmlns="" val="4254023717"/>
       </p:ext>
     </p:extLst>
   </p:cSld>
@@ -3128,7 +3128,7 @@
     </p:spTree>
     <p:extLst>
       <p:ext uri="{BB962C8B-B14F-4D97-AF65-F5344CB8AC3E}">
-        <p14:creationId xmlns:p14="http://schemas.microsoft.com/office/powerpoint/2010/main" val="2012511890"/>
+        <p14:creationId xmlns:p14="http://schemas.microsoft.com/office/powerpoint/2010/main" xmlns="" val="2012511890"/>
       </p:ext>
     </p:extLst>
   </p:cSld>
@@ -3234,7 +3234,7 @@
     </p:spTree>
     <p:extLst>
       <p:ext uri="{BB962C8B-B14F-4D97-AF65-F5344CB8AC3E}">
-        <p14:creationId xmlns:p14="http://schemas.microsoft.com/office/powerpoint/2010/main" val="3731007683"/>
+        <p14:creationId xmlns:p14="http://schemas.microsoft.com/office/powerpoint/2010/main" xmlns="" val="3731007683"/>
       </p:ext>
     </p:extLst>
   </p:cSld>
@@ -3340,7 +3340,7 @@
     </p:spTree>
     <p:extLst>
       <p:ext uri="{BB962C8B-B14F-4D97-AF65-F5344CB8AC3E}">
-        <p14:creationId xmlns:p14="http://schemas.microsoft.com/office/powerpoint/2010/main" val="1914263023"/>
+        <p14:creationId xmlns:p14="http://schemas.microsoft.com/office/powerpoint/2010/main" xmlns="" val="1914263023"/>
       </p:ext>
     </p:extLst>
   </p:cSld>
@@ -3446,7 +3446,7 @@
     </p:spTree>
     <p:extLst>
       <p:ext uri="{BB962C8B-B14F-4D97-AF65-F5344CB8AC3E}">
-        <p14:creationId xmlns:p14="http://schemas.microsoft.com/office/powerpoint/2010/main" val="543195948"/>
+        <p14:creationId xmlns:p14="http://schemas.microsoft.com/office/powerpoint/2010/main" xmlns="" val="543195948"/>
       </p:ext>
     </p:extLst>
   </p:cSld>
@@ -3552,7 +3552,7 @@
     </p:spTree>
     <p:extLst>
       <p:ext uri="{BB962C8B-B14F-4D97-AF65-F5344CB8AC3E}">
-        <p14:creationId xmlns:p14="http://schemas.microsoft.com/office/powerpoint/2010/main" val="2482079172"/>
+        <p14:creationId xmlns:p14="http://schemas.microsoft.com/office/powerpoint/2010/main" xmlns="" val="2482079172"/>
       </p:ext>
     </p:extLst>
   </p:cSld>
@@ -3658,7 +3658,7 @@
     </p:spTree>
     <p:extLst>
       <p:ext uri="{BB962C8B-B14F-4D97-AF65-F5344CB8AC3E}">
-        <p14:creationId xmlns:p14="http://schemas.microsoft.com/office/powerpoint/2010/main" val="568382466"/>
+        <p14:creationId xmlns:p14="http://schemas.microsoft.com/office/powerpoint/2010/main" xmlns="" val="568382466"/>
       </p:ext>
     </p:extLst>
   </p:cSld>
@@ -3764,7 +3764,7 @@
     </p:spTree>
     <p:extLst>
       <p:ext uri="{BB962C8B-B14F-4D97-AF65-F5344CB8AC3E}">
-        <p14:creationId xmlns:p14="http://schemas.microsoft.com/office/powerpoint/2010/main" val="2975169510"/>
+        <p14:creationId xmlns:p14="http://schemas.microsoft.com/office/powerpoint/2010/main" xmlns="" val="2975169510"/>
       </p:ext>
     </p:extLst>
   </p:cSld>
@@ -3870,7 +3870,7 @@
     </p:spTree>
     <p:extLst>
       <p:ext uri="{BB962C8B-B14F-4D97-AF65-F5344CB8AC3E}">
-        <p14:creationId xmlns:p14="http://schemas.microsoft.com/office/powerpoint/2010/main" val="1775577981"/>
+        <p14:creationId xmlns:p14="http://schemas.microsoft.com/office/powerpoint/2010/main" xmlns="" val="1775577981"/>
       </p:ext>
     </p:extLst>
   </p:cSld>
@@ -3976,7 +3976,7 @@
     </p:spTree>
     <p:extLst>
       <p:ext uri="{BB962C8B-B14F-4D97-AF65-F5344CB8AC3E}">
-        <p14:creationId xmlns:p14="http://schemas.microsoft.com/office/powerpoint/2010/main" val="4285525115"/>
+        <p14:creationId xmlns:p14="http://schemas.microsoft.com/office/powerpoint/2010/main" xmlns="" val="4285525115"/>
       </p:ext>
     </p:extLst>
   </p:cSld>
@@ -4183,7 +4183,7 @@
     </p:spTree>
     <p:extLst>
       <p:ext uri="{BB962C8B-B14F-4D97-AF65-F5344CB8AC3E}">
-        <p14:creationId xmlns:p14="http://schemas.microsoft.com/office/powerpoint/2010/main" val="2450484543"/>
+        <p14:creationId xmlns:p14="http://schemas.microsoft.com/office/powerpoint/2010/main" xmlns="" val="2450484543"/>
       </p:ext>
     </p:extLst>
   </p:cSld>
@@ -4289,7 +4289,7 @@
     </p:spTree>
     <p:extLst>
       <p:ext uri="{BB962C8B-B14F-4D97-AF65-F5344CB8AC3E}">
-        <p14:creationId xmlns:p14="http://schemas.microsoft.com/office/powerpoint/2010/main" val="2229248177"/>
+        <p14:creationId xmlns:p14="http://schemas.microsoft.com/office/powerpoint/2010/main" xmlns="" val="2229248177"/>
       </p:ext>
     </p:extLst>
   </p:cSld>
@@ -4395,7 +4395,7 @@
     </p:spTree>
     <p:extLst>
       <p:ext uri="{BB962C8B-B14F-4D97-AF65-F5344CB8AC3E}">
-        <p14:creationId xmlns:p14="http://schemas.microsoft.com/office/powerpoint/2010/main" val="292018431"/>
+        <p14:creationId xmlns:p14="http://schemas.microsoft.com/office/powerpoint/2010/main" xmlns="" val="292018431"/>
       </p:ext>
     </p:extLst>
   </p:cSld>
@@ -4501,7 +4501,7 @@
     </p:spTree>
     <p:extLst>
       <p:ext uri="{BB962C8B-B14F-4D97-AF65-F5344CB8AC3E}">
-        <p14:creationId xmlns:p14="http://schemas.microsoft.com/office/powerpoint/2010/main" val="1749815843"/>
+        <p14:creationId xmlns:p14="http://schemas.microsoft.com/office/powerpoint/2010/main" xmlns="" val="1749815843"/>
       </p:ext>
     </p:extLst>
   </p:cSld>
@@ -4607,7 +4607,7 @@
     </p:spTree>
     <p:extLst>
       <p:ext uri="{BB962C8B-B14F-4D97-AF65-F5344CB8AC3E}">
-        <p14:creationId xmlns:p14="http://schemas.microsoft.com/office/powerpoint/2010/main" val="1284683456"/>
+        <p14:creationId xmlns:p14="http://schemas.microsoft.com/office/powerpoint/2010/main" xmlns="" val="1284683456"/>
       </p:ext>
     </p:extLst>
   </p:cSld>
@@ -4713,7 +4713,7 @@
     </p:spTree>
     <p:extLst>
       <p:ext uri="{BB962C8B-B14F-4D97-AF65-F5344CB8AC3E}">
-        <p14:creationId xmlns:p14="http://schemas.microsoft.com/office/powerpoint/2010/main" val="160611784"/>
+        <p14:creationId xmlns:p14="http://schemas.microsoft.com/office/powerpoint/2010/main" xmlns="" val="160611784"/>
       </p:ext>
     </p:extLst>
   </p:cSld>
@@ -4819,7 +4819,7 @@
     </p:spTree>
     <p:extLst>
       <p:ext uri="{BB962C8B-B14F-4D97-AF65-F5344CB8AC3E}">
-        <p14:creationId xmlns:p14="http://schemas.microsoft.com/office/powerpoint/2010/main" val="3752173762"/>
+        <p14:creationId xmlns:p14="http://schemas.microsoft.com/office/powerpoint/2010/main" xmlns="" val="3752173762"/>
       </p:ext>
     </p:extLst>
   </p:cSld>
@@ -4925,7 +4925,7 @@
     </p:spTree>
     <p:extLst>
       <p:ext uri="{BB962C8B-B14F-4D97-AF65-F5344CB8AC3E}">
-        <p14:creationId xmlns:p14="http://schemas.microsoft.com/office/powerpoint/2010/main" val="1923029509"/>
+        <p14:creationId xmlns:p14="http://schemas.microsoft.com/office/powerpoint/2010/main" xmlns="" val="1923029509"/>
       </p:ext>
     </p:extLst>
   </p:cSld>
@@ -5031,7 +5031,7 @@
     </p:spTree>
     <p:extLst>
       <p:ext uri="{BB962C8B-B14F-4D97-AF65-F5344CB8AC3E}">
-        <p14:creationId xmlns:p14="http://schemas.microsoft.com/office/powerpoint/2010/main" val="528569567"/>
+        <p14:creationId xmlns:p14="http://schemas.microsoft.com/office/powerpoint/2010/main" xmlns="" val="528569567"/>
       </p:ext>
     </p:extLst>
   </p:cSld>
@@ -5137,7 +5137,7 @@
     </p:spTree>
     <p:extLst>
       <p:ext uri="{BB962C8B-B14F-4D97-AF65-F5344CB8AC3E}">
-        <p14:creationId xmlns:p14="http://schemas.microsoft.com/office/powerpoint/2010/main" val="1282933232"/>
+        <p14:creationId xmlns:p14="http://schemas.microsoft.com/office/powerpoint/2010/main" xmlns="" val="1282933232"/>
       </p:ext>
     </p:extLst>
   </p:cSld>
@@ -5344,7 +5344,7 @@
     </p:spTree>
     <p:extLst>
       <p:ext uri="{BB962C8B-B14F-4D97-AF65-F5344CB8AC3E}">
-        <p14:creationId xmlns:p14="http://schemas.microsoft.com/office/powerpoint/2010/main" val="921627933"/>
+        <p14:creationId xmlns:p14="http://schemas.microsoft.com/office/powerpoint/2010/main" xmlns="" val="921627933"/>
       </p:ext>
     </p:extLst>
   </p:cSld>
@@ -5551,7 +5551,7 @@
     </p:spTree>
     <p:extLst>
       <p:ext uri="{BB962C8B-B14F-4D97-AF65-F5344CB8AC3E}">
-        <p14:creationId xmlns:p14="http://schemas.microsoft.com/office/powerpoint/2010/main" val="2877639231"/>
+        <p14:creationId xmlns:p14="http://schemas.microsoft.com/office/powerpoint/2010/main" xmlns="" val="2877639231"/>
       </p:ext>
     </p:extLst>
   </p:cSld>
@@ -5657,7 +5657,7 @@
     </p:spTree>
     <p:extLst>
       <p:ext uri="{BB962C8B-B14F-4D97-AF65-F5344CB8AC3E}">
-        <p14:creationId xmlns:p14="http://schemas.microsoft.com/office/powerpoint/2010/main" val="1124241648"/>
+        <p14:creationId xmlns:p14="http://schemas.microsoft.com/office/powerpoint/2010/main" xmlns="" val="1124241648"/>
       </p:ext>
     </p:extLst>
   </p:cSld>
@@ -5763,7 +5763,7 @@
     </p:spTree>
     <p:extLst>
       <p:ext uri="{BB962C8B-B14F-4D97-AF65-F5344CB8AC3E}">
-        <p14:creationId xmlns:p14="http://schemas.microsoft.com/office/powerpoint/2010/main" val="2587903719"/>
+        <p14:creationId xmlns:p14="http://schemas.microsoft.com/office/powerpoint/2010/main" xmlns="" val="2587903719"/>
       </p:ext>
     </p:extLst>
   </p:cSld>
@@ -5869,7 +5869,7 @@
     </p:spTree>
     <p:extLst>
       <p:ext uri="{BB962C8B-B14F-4D97-AF65-F5344CB8AC3E}">
-        <p14:creationId xmlns:p14="http://schemas.microsoft.com/office/powerpoint/2010/main" val="3763882193"/>
+        <p14:creationId xmlns:p14="http://schemas.microsoft.com/office/powerpoint/2010/main" xmlns="" val="3763882193"/>
       </p:ext>
     </p:extLst>
   </p:cSld>
@@ -5975,7 +5975,7 @@
     </p:spTree>
     <p:extLst>
       <p:ext uri="{BB962C8B-B14F-4D97-AF65-F5344CB8AC3E}">
-        <p14:creationId xmlns:p14="http://schemas.microsoft.com/office/powerpoint/2010/main" val="1554474374"/>
+        <p14:creationId xmlns:p14="http://schemas.microsoft.com/office/powerpoint/2010/main" xmlns="" val="1554474374"/>
       </p:ext>
     </p:extLst>
   </p:cSld>
@@ -6081,7 +6081,7 @@
     </p:spTree>
     <p:extLst>
       <p:ext uri="{BB962C8B-B14F-4D97-AF65-F5344CB8AC3E}">
-        <p14:creationId xmlns:p14="http://schemas.microsoft.com/office/powerpoint/2010/main" val="392811892"/>
+        <p14:creationId xmlns:p14="http://schemas.microsoft.com/office/powerpoint/2010/main" xmlns="" val="392811892"/>
       </p:ext>
     </p:extLst>
   </p:cSld>
@@ -6187,7 +6187,7 @@
     </p:spTree>
     <p:extLst>
       <p:ext uri="{BB962C8B-B14F-4D97-AF65-F5344CB8AC3E}">
-        <p14:creationId xmlns:p14="http://schemas.microsoft.com/office/powerpoint/2010/main" val="3839691108"/>
+        <p14:creationId xmlns:p14="http://schemas.microsoft.com/office/powerpoint/2010/main" xmlns="" val="3839691108"/>
       </p:ext>
     </p:extLst>
   </p:cSld>
@@ -6293,7 +6293,7 @@
     </p:spTree>
     <p:extLst>
       <p:ext uri="{BB962C8B-B14F-4D97-AF65-F5344CB8AC3E}">
-        <p14:creationId xmlns:p14="http://schemas.microsoft.com/office/powerpoint/2010/main" val="237648004"/>
+        <p14:creationId xmlns:p14="http://schemas.microsoft.com/office/powerpoint/2010/main" xmlns="" val="237648004"/>
       </p:ext>
     </p:extLst>
   </p:cSld>
@@ -6500,7 +6500,7 @@
     </p:spTree>
     <p:extLst>
       <p:ext uri="{BB962C8B-B14F-4D97-AF65-F5344CB8AC3E}">
-        <p14:creationId xmlns:p14="http://schemas.microsoft.com/office/powerpoint/2010/main" val="3761695653"/>
+        <p14:creationId xmlns:p14="http://schemas.microsoft.com/office/powerpoint/2010/main" xmlns="" val="3761695653"/>
       </p:ext>
     </p:extLst>
   </p:cSld>
@@ -6606,7 +6606,7 @@
     </p:spTree>
     <p:extLst>
       <p:ext uri="{BB962C8B-B14F-4D97-AF65-F5344CB8AC3E}">
-        <p14:creationId xmlns:p14="http://schemas.microsoft.com/office/powerpoint/2010/main" val="3807619665"/>
+        <p14:creationId xmlns:p14="http://schemas.microsoft.com/office/powerpoint/2010/main" xmlns="" val="3807619665"/>
       </p:ext>
     </p:extLst>
   </p:cSld>
@@ -6712,7 +6712,7 @@
     </p:spTree>
     <p:extLst>
       <p:ext uri="{BB962C8B-B14F-4D97-AF65-F5344CB8AC3E}">
-        <p14:creationId xmlns:p14="http://schemas.microsoft.com/office/powerpoint/2010/main" val="4023195358"/>
+        <p14:creationId xmlns:p14="http://schemas.microsoft.com/office/powerpoint/2010/main" xmlns="" val="4023195358"/>
       </p:ext>
     </p:extLst>
   </p:cSld>
@@ -6818,7 +6818,7 @@
     </p:spTree>
     <p:extLst>
       <p:ext uri="{BB962C8B-B14F-4D97-AF65-F5344CB8AC3E}">
-        <p14:creationId xmlns:p14="http://schemas.microsoft.com/office/powerpoint/2010/main" val="2588613970"/>
+        <p14:creationId xmlns:p14="http://schemas.microsoft.com/office/powerpoint/2010/main" xmlns="" val="2588613970"/>
       </p:ext>
     </p:extLst>
   </p:cSld>
@@ -6924,7 +6924,7 @@
     </p:spTree>
     <p:extLst>
       <p:ext uri="{BB962C8B-B14F-4D97-AF65-F5344CB8AC3E}">
-        <p14:creationId xmlns:p14="http://schemas.microsoft.com/office/powerpoint/2010/main" val="1073185197"/>
+        <p14:creationId xmlns:p14="http://schemas.microsoft.com/office/powerpoint/2010/main" xmlns="" val="1073185197"/>
       </p:ext>
     </p:extLst>
   </p:cSld>
@@ -7030,7 +7030,7 @@
     </p:spTree>
     <p:extLst>
       <p:ext uri="{BB962C8B-B14F-4D97-AF65-F5344CB8AC3E}">
-        <p14:creationId xmlns:p14="http://schemas.microsoft.com/office/powerpoint/2010/main" val="2383953988"/>
+        <p14:creationId xmlns:p14="http://schemas.microsoft.com/office/powerpoint/2010/main" xmlns="" val="2383953988"/>
       </p:ext>
     </p:extLst>
   </p:cSld>
@@ -9108,7 +9108,7 @@
         </p:nvSpPr>
         <p:spPr>
           <a:xfrm>
-            <a:off x="685800" y="1379854"/>
+            <a:off x="735495" y="962410"/>
             <a:ext cx="7772400" cy="1039493"/>
           </a:xfrm>
           <a:prstGeom prst="rect">
@@ -9151,7 +9151,7 @@
         </p:nvSpPr>
         <p:spPr>
           <a:xfrm>
-            <a:off x="685800" y="2440003"/>
+            <a:off x="705678" y="2171646"/>
             <a:ext cx="7772400" cy="2460292"/>
           </a:xfrm>
           <a:prstGeom prst="rect">
@@ -9445,7 +9445,7 @@
         <p:spPr>
           <a:xfrm>
             <a:off x="457200" y="205978"/>
-            <a:ext cx="8229600" cy="857400"/>
+            <a:ext cx="8229600" cy="708422"/>
           </a:xfrm>
           <a:prstGeom prst="rect">
             <a:avLst/>
@@ -9483,7 +9483,7 @@
         </p:nvSpPr>
         <p:spPr>
           <a:xfrm>
-            <a:off x="457200" y="1200150"/>
+            <a:off x="496956" y="921854"/>
             <a:ext cx="8229600" cy="3725699"/>
           </a:xfrm>
           <a:prstGeom prst="rect">
@@ -9623,7 +9623,7 @@
           <p:cNvPr id="3" name="Picture 2">
             <a:extLst>
               <a:ext uri="{FF2B5EF4-FFF2-40B4-BE49-F238E27FC236}">
-                <a16:creationId xmlns:a16="http://schemas.microsoft.com/office/drawing/2014/main" id="{57934F5C-3F68-4792-97D0-A854CA0D905A}"/>
+                <a16:creationId xmlns:a16="http://schemas.microsoft.com/office/drawing/2014/main" xmlns="" id="{57934F5C-3F68-4792-97D0-A854CA0D905A}"/>
               </a:ext>
             </a:extLst>
           </p:cNvPr>
@@ -9640,8 +9640,8 @@
         </p:blipFill>
         <p:spPr>
           <a:xfrm>
-            <a:off x="967563" y="2647507"/>
-            <a:ext cx="7251404" cy="2415114"/>
+            <a:off x="837089" y="2494722"/>
+            <a:ext cx="7381878" cy="2567899"/>
           </a:xfrm>
           <a:prstGeom prst="rect">
             <a:avLst/>
@@ -9651,7 +9651,7 @@
     </p:spTree>
     <p:extLst>
       <p:ext uri="{BB962C8B-B14F-4D97-AF65-F5344CB8AC3E}">
-        <p14:creationId xmlns:p14="http://schemas.microsoft.com/office/powerpoint/2010/main" val="777877716"/>
+        <p14:creationId xmlns:p14="http://schemas.microsoft.com/office/powerpoint/2010/main" xmlns="" val="777877716"/>
       </p:ext>
     </p:extLst>
   </p:cSld>
@@ -9691,7 +9691,7 @@
         <p:spPr>
           <a:xfrm>
             <a:off x="457200" y="205978"/>
-            <a:ext cx="8229600" cy="857400"/>
+            <a:ext cx="8229600" cy="748179"/>
           </a:xfrm>
           <a:prstGeom prst="rect">
             <a:avLst/>
@@ -9789,7 +9789,7 @@
           <p:cNvPr id="4" name="Picture 3">
             <a:extLst>
               <a:ext uri="{FF2B5EF4-FFF2-40B4-BE49-F238E27FC236}">
-                <a16:creationId xmlns:a16="http://schemas.microsoft.com/office/drawing/2014/main" id="{66339841-DB1C-477D-9E5A-53BE9F56E5F3}"/>
+                <a16:creationId xmlns:a16="http://schemas.microsoft.com/office/drawing/2014/main" xmlns="" id="{66339841-DB1C-477D-9E5A-53BE9F56E5F3}"/>
               </a:ext>
             </a:extLst>
           </p:cNvPr>
@@ -9806,7 +9806,7 @@
         </p:blipFill>
         <p:spPr>
           <a:xfrm>
-            <a:off x="839972" y="1200150"/>
+            <a:off x="621311" y="1090819"/>
             <a:ext cx="7219507" cy="3818417"/>
           </a:xfrm>
           <a:prstGeom prst="rect">
@@ -9817,7 +9817,7 @@
     </p:spTree>
     <p:extLst>
       <p:ext uri="{BB962C8B-B14F-4D97-AF65-F5344CB8AC3E}">
-        <p14:creationId xmlns:p14="http://schemas.microsoft.com/office/powerpoint/2010/main" val="2413628829"/>
+        <p14:creationId xmlns:p14="http://schemas.microsoft.com/office/powerpoint/2010/main" xmlns="" val="2413628829"/>
       </p:ext>
     </p:extLst>
   </p:cSld>
@@ -9895,8 +9895,8 @@
         </p:nvSpPr>
         <p:spPr>
           <a:xfrm>
-            <a:off x="457200" y="1200150"/>
-            <a:ext cx="8229600" cy="3725699"/>
+            <a:off x="457200" y="1090819"/>
+            <a:ext cx="8229600" cy="3878746"/>
           </a:xfrm>
           <a:prstGeom prst="rect">
             <a:avLst/>
@@ -9908,12 +9908,14 @@
           </a:bodyPr>
           <a:lstStyle/>
           <a:p>
+            <a:pPr algn="just"/>
             <a:r>
               <a:rPr lang="en-IN" sz="1600" dirty="0"/>
               <a:t>All Java platforms consist of a Java Virtual Machine (VM) and an application programming interface (API). </a:t>
             </a:r>
           </a:p>
           <a:p>
+            <a:pPr algn="just"/>
             <a:r>
               <a:rPr lang="en-IN" sz="1600" dirty="0"/>
               <a:t>The </a:t>
@@ -9928,6 +9930,7 @@
             </a:r>
           </a:p>
           <a:p>
+            <a:pPr algn="just"/>
             <a:r>
               <a:rPr lang="en-IN" sz="1600" dirty="0"/>
               <a:t>An </a:t>
@@ -9942,6 +9945,7 @@
             </a:r>
           </a:p>
           <a:p>
+            <a:pPr algn="just"/>
             <a:r>
               <a:rPr lang="en-IN" sz="1600" dirty="0"/>
               <a:t>Each Java platform provides a </a:t>
@@ -9956,12 +9960,14 @@
             </a:r>
           </a:p>
           <a:p>
+            <a:pPr algn="just"/>
             <a:r>
               <a:rPr lang="en-IN" sz="1400" b="1" dirty="0"/>
               <a:t>Java SE</a:t>
             </a:r>
           </a:p>
           <a:p>
+            <a:pPr algn="just"/>
             <a:r>
               <a:rPr lang="en-IN" sz="1400" dirty="0"/>
               <a:t>When most people think of the Java programming language, they think of the Java SE API. Java SE's API provides the core functionality of the Java programming language. It defines everything from the </a:t>
@@ -9984,6 +9990,7 @@
             </a:r>
           </a:p>
           <a:p>
+            <a:pPr algn="just"/>
             <a:endParaRPr lang="en-IN" sz="1600" dirty="0"/>
           </a:p>
         </p:txBody>
@@ -9991,7 +9998,7 @@
     </p:spTree>
     <p:extLst>
       <p:ext uri="{BB962C8B-B14F-4D97-AF65-F5344CB8AC3E}">
-        <p14:creationId xmlns:p14="http://schemas.microsoft.com/office/powerpoint/2010/main" val="3503753709"/>
+        <p14:creationId xmlns:p14="http://schemas.microsoft.com/office/powerpoint/2010/main" xmlns="" val="3503753709"/>
       </p:ext>
     </p:extLst>
   </p:cSld>
@@ -10122,6 +10129,7 @@
             </a:r>
           </a:p>
           <a:p>
+            <a:pPr algn="just"/>
             <a:r>
               <a:rPr lang="en-IN" sz="1400" dirty="0"/>
               <a:t>The Java ME platform provides an API and a small-footprint virtual machine for running Java programming language applications on </a:t>
@@ -10171,7 +10179,7 @@
     </p:spTree>
     <p:extLst>
       <p:ext uri="{BB962C8B-B14F-4D97-AF65-F5344CB8AC3E}">
-        <p14:creationId xmlns:p14="http://schemas.microsoft.com/office/powerpoint/2010/main" val="3102148994"/>
+        <p14:creationId xmlns:p14="http://schemas.microsoft.com/office/powerpoint/2010/main" xmlns="" val="3102148994"/>
       </p:ext>
     </p:extLst>
   </p:cSld>
@@ -10271,7 +10279,7 @@
           <p:cNvPr id="3" name="Picture 2">
             <a:extLst>
               <a:ext uri="{FF2B5EF4-FFF2-40B4-BE49-F238E27FC236}">
-                <a16:creationId xmlns:a16="http://schemas.microsoft.com/office/drawing/2014/main" id="{A42FAAC6-5B3E-4F03-AD56-92F4D5584C39}"/>
+                <a16:creationId xmlns:a16="http://schemas.microsoft.com/office/drawing/2014/main" xmlns="" id="{A42FAAC6-5B3E-4F03-AD56-92F4D5584C39}"/>
               </a:ext>
             </a:extLst>
           </p:cNvPr>
@@ -10299,7 +10307,7 @@
     </p:spTree>
     <p:extLst>
       <p:ext uri="{BB962C8B-B14F-4D97-AF65-F5344CB8AC3E}">
-        <p14:creationId xmlns:p14="http://schemas.microsoft.com/office/powerpoint/2010/main" val="1622947430"/>
+        <p14:creationId xmlns:p14="http://schemas.microsoft.com/office/powerpoint/2010/main" xmlns="" val="1622947430"/>
       </p:ext>
     </p:extLst>
   </p:cSld>
@@ -10705,7 +10713,7 @@
           <p:cNvPr id="4" name="Picture 3">
             <a:extLst>
               <a:ext uri="{FF2B5EF4-FFF2-40B4-BE49-F238E27FC236}">
-                <a16:creationId xmlns:a16="http://schemas.microsoft.com/office/drawing/2014/main" id="{CEF36641-8278-48E1-B2B1-F0AE076C0B0C}"/>
+                <a16:creationId xmlns:a16="http://schemas.microsoft.com/office/drawing/2014/main" xmlns="" id="{CEF36641-8278-48E1-B2B1-F0AE076C0B0C}"/>
               </a:ext>
             </a:extLst>
           </p:cNvPr>
@@ -10733,7 +10741,7 @@
     </p:spTree>
     <p:extLst>
       <p:ext uri="{BB962C8B-B14F-4D97-AF65-F5344CB8AC3E}">
-        <p14:creationId xmlns:p14="http://schemas.microsoft.com/office/powerpoint/2010/main" val="2025573383"/>
+        <p14:creationId xmlns:p14="http://schemas.microsoft.com/office/powerpoint/2010/main" xmlns="" val="2025573383"/>
       </p:ext>
     </p:extLst>
   </p:cSld>
@@ -10851,16 +10859,18 @@
               <a:t>Latest eclipse - Get Eclipse </a:t>
             </a:r>
             <a:r>
-              <a:rPr lang="en-IN" b="1" cap="all" dirty="0"/>
+              <a:rPr lang="en-IN" b="1" cap="all" dirty="0" smtClean="0"/>
               <a:t>PHOTON</a:t>
             </a:r>
-            <a:endParaRPr lang="en-IN" dirty="0"/>
-          </a:p>
-          <a:p>
-            <a:pPr lvl="0"/>
+          </a:p>
+          <a:p>
+            <a:r>
+              <a:rPr lang="en-IN" dirty="0" smtClean="0"/>
+              <a:t>Configure </a:t>
+            </a:r>
             <a:r>
               <a:rPr lang="en-IN" dirty="0"/>
-              <a:t>Configure eclipse for Java EE Developers</a:t>
+              <a:t>eclipse for Java EE Developers</a:t>
             </a:r>
             <a:endParaRPr lang="en" dirty="0"/>
           </a:p>
@@ -10878,7 +10888,7 @@
     </p:spTree>
     <p:extLst>
       <p:ext uri="{BB962C8B-B14F-4D97-AF65-F5344CB8AC3E}">
-        <p14:creationId xmlns:p14="http://schemas.microsoft.com/office/powerpoint/2010/main" val="1694677889"/>
+        <p14:creationId xmlns:p14="http://schemas.microsoft.com/office/powerpoint/2010/main" xmlns="" val="1694677889"/>
       </p:ext>
     </p:extLst>
   </p:cSld>
@@ -10955,7 +10965,7 @@
         </p:nvSpPr>
         <p:spPr>
           <a:xfrm>
-            <a:off x="457200" y="1200150"/>
+            <a:off x="487017" y="1100759"/>
             <a:ext cx="8229600" cy="3725699"/>
           </a:xfrm>
           <a:prstGeom prst="rect">
@@ -10968,7 +10978,7 @@
           </a:bodyPr>
           <a:lstStyle/>
           <a:p>
-            <a:pPr marL="457200" lvl="0" indent="-228600" rtl="0">
+            <a:pPr marL="457200" lvl="0" indent="-228600" algn="just" rtl="0">
               <a:spcBef>
                 <a:spcPts val="0"/>
               </a:spcBef>
@@ -10980,7 +10990,7 @@
             </a:r>
           </a:p>
           <a:p>
-            <a:pPr marL="457200" lvl="0" indent="-228600" rtl="0">
+            <a:pPr marL="457200" lvl="0" indent="-228600" algn="just" rtl="0">
               <a:spcBef>
                 <a:spcPts val="0"/>
               </a:spcBef>
@@ -10992,7 +11002,7 @@
             </a:r>
           </a:p>
           <a:p>
-            <a:pPr marL="457200" lvl="0" indent="-228600" rtl="0">
+            <a:pPr marL="457200" lvl="0" indent="-228600" algn="just" rtl="0">
               <a:spcBef>
                 <a:spcPts val="0"/>
               </a:spcBef>
@@ -11004,7 +11014,7 @@
             </a:r>
           </a:p>
           <a:p>
-            <a:pPr marL="457200" lvl="0" indent="-228600" rtl="0">
+            <a:pPr marL="457200" lvl="0" indent="-228600" algn="just" rtl="0">
               <a:spcBef>
                 <a:spcPts val="0"/>
               </a:spcBef>
@@ -11016,7 +11026,7 @@
             </a:r>
           </a:p>
           <a:p>
-            <a:pPr marL="457200" lvl="0" indent="-228600" rtl="0">
+            <a:pPr marL="457200" lvl="0" indent="-228600" algn="just" rtl="0">
               <a:spcBef>
                 <a:spcPts val="0"/>
               </a:spcBef>
@@ -11029,7 +11039,7 @@
             <a:endParaRPr lang="en" sz="1600" dirty="0"/>
           </a:p>
           <a:p>
-            <a:pPr marL="457200" lvl="0" indent="-228600" rtl="0">
+            <a:pPr marL="457200" lvl="0" indent="-228600" algn="just" rtl="0">
               <a:spcBef>
                 <a:spcPts val="0"/>
               </a:spcBef>
@@ -11042,7 +11052,7 @@
             <a:endParaRPr lang="en" sz="1600" dirty="0"/>
           </a:p>
           <a:p>
-            <a:pPr marL="457200" lvl="0" indent="-228600" rtl="0">
+            <a:pPr marL="457200" lvl="0" indent="-228600" algn="just" rtl="0">
               <a:spcBef>
                 <a:spcPts val="0"/>
               </a:spcBef>
@@ -11054,7 +11064,7 @@
             </a:r>
           </a:p>
           <a:p>
-            <a:pPr marL="457200" lvl="0" indent="-228600" rtl="0">
+            <a:pPr marL="457200" lvl="0" indent="-228600" algn="just" rtl="0">
               <a:spcBef>
                 <a:spcPts val="0"/>
               </a:spcBef>
@@ -11067,26 +11077,22 @@
             <a:endParaRPr lang="en" sz="1600" dirty="0"/>
           </a:p>
           <a:p>
-            <a:pPr marL="457200" indent="-228600">
+            <a:pPr marL="457200" indent="-228600" algn="just">
               <a:buFontTx/>
               <a:buChar char="●"/>
             </a:pPr>
             <a:r>
-              <a:rPr lang="en-IN" sz="1600" dirty="0" err="1"/>
-              <a:t>Loops,Conditional</a:t>
-            </a:r>
-            <a:r>
               <a:rPr lang="en-IN" sz="1600" dirty="0"/>
-              <a:t> </a:t>
-            </a:r>
-            <a:r>
-              <a:rPr lang="en-IN" sz="1600" dirty="0" err="1"/>
-              <a:t>Statements,Switch</a:t>
+              <a:t>Loops</a:t>
+            </a:r>
+            <a:r>
+              <a:rPr lang="en-IN" sz="1600" dirty="0" smtClean="0"/>
+              <a:t>, Conditional-Statements, Switch</a:t>
             </a:r>
             <a:endParaRPr lang="en-IN" sz="1600" dirty="0"/>
           </a:p>
           <a:p>
-            <a:pPr marL="457200" lvl="0" indent="-228600" rtl="0">
+            <a:pPr marL="457200" lvl="0" indent="-228600" algn="just" rtl="0">
               <a:spcBef>
                 <a:spcPts val="0"/>
               </a:spcBef>
@@ -11097,13 +11103,13 @@
               <a:t>Static – </a:t>
             </a:r>
             <a:r>
-              <a:rPr lang="en-IN" sz="1600" dirty="0" err="1"/>
-              <a:t>Variables,Blocks,methods,class</a:t>
+              <a:rPr lang="en-IN" sz="1600" dirty="0" smtClean="0"/>
+              <a:t>Variables, Blocks, methods, class</a:t>
             </a:r>
             <a:endParaRPr lang="en-IN" sz="1600" dirty="0"/>
           </a:p>
           <a:p>
-            <a:pPr marL="457200" lvl="0" indent="-228600" rtl="0">
+            <a:pPr marL="457200" lvl="0" indent="-228600" algn="just" rtl="0">
               <a:spcBef>
                 <a:spcPts val="0"/>
               </a:spcBef>
@@ -11115,7 +11121,7 @@
             </a:r>
           </a:p>
           <a:p>
-            <a:pPr marL="457200" lvl="0" indent="-228600" rtl="0">
+            <a:pPr marL="457200" lvl="0" indent="-228600" algn="just" rtl="0">
               <a:spcBef>
                 <a:spcPts val="0"/>
               </a:spcBef>
@@ -11127,7 +11133,7 @@
             </a:r>
           </a:p>
           <a:p>
-            <a:pPr marL="457200" lvl="0" indent="-228600" rtl="0">
+            <a:pPr marL="457200" lvl="0" indent="-228600" algn="just" rtl="0">
               <a:spcBef>
                 <a:spcPts val="0"/>
               </a:spcBef>
@@ -11139,7 +11145,7 @@
             </a:r>
           </a:p>
           <a:p>
-            <a:pPr marL="457200" lvl="0" indent="-228600" rtl="0">
+            <a:pPr marL="457200" lvl="0" indent="-228600" algn="just" rtl="0">
               <a:spcBef>
                 <a:spcPts val="0"/>
               </a:spcBef>
@@ -11151,7 +11157,7 @@
             </a:r>
           </a:p>
           <a:p>
-            <a:pPr marL="457200" lvl="0" indent="-228600" rtl="0">
+            <a:pPr marL="457200" lvl="0" indent="-228600" algn="just" rtl="0">
               <a:spcBef>
                 <a:spcPts val="0"/>
               </a:spcBef>
@@ -11160,7 +11166,7 @@
             <a:endParaRPr lang="en" sz="2000" dirty="0"/>
           </a:p>
           <a:p>
-            <a:pPr lvl="0">
+            <a:pPr lvl="0" algn="just">
               <a:spcBef>
                 <a:spcPts val="0"/>
               </a:spcBef>
@@ -11265,7 +11271,7 @@
               <a:buNone/>
             </a:pPr>
             <a:r>
-              <a:rPr lang="en"/>
+              <a:rPr lang="en" dirty="0"/>
               <a:t>First Program</a:t>
             </a:r>
           </a:p>
@@ -11282,7 +11288,7 @@
               <a:buNone/>
             </a:pPr>
             <a:r>
-              <a:rPr lang="en" sz="1800"/>
+              <a:rPr lang="en" sz="1800" dirty="0"/>
               <a:t>public class HelloWorld</a:t>
             </a:r>
           </a:p>
@@ -11299,7 +11305,7 @@
               <a:buNone/>
             </a:pPr>
             <a:r>
-              <a:rPr lang="en" sz="1800"/>
+              <a:rPr lang="en" sz="1800" dirty="0"/>
               <a:t>{</a:t>
             </a:r>
           </a:p>
@@ -11316,7 +11322,7 @@
               <a:buNone/>
             </a:pPr>
             <a:r>
-              <a:rPr lang="en" sz="1800"/>
+              <a:rPr lang="en" sz="1800" dirty="0"/>
               <a:t>	public static void main(String args[])</a:t>
             </a:r>
           </a:p>
@@ -11333,7 +11339,7 @@
               <a:buNone/>
             </a:pPr>
             <a:r>
-              <a:rPr lang="en" sz="1800"/>
+              <a:rPr lang="en" sz="1800" dirty="0"/>
               <a:t>	{</a:t>
             </a:r>
           </a:p>
@@ -11350,7 +11356,7 @@
               <a:buNone/>
             </a:pPr>
             <a:r>
-              <a:rPr lang="en" sz="1800"/>
+              <a:rPr lang="en" sz="1800" dirty="0"/>
               <a:t>		System.out.println("Hello World");</a:t>
             </a:r>
           </a:p>
@@ -11367,7 +11373,7 @@
               <a:buNone/>
             </a:pPr>
             <a:r>
-              <a:rPr lang="en" sz="1800"/>
+              <a:rPr lang="en" sz="1800" dirty="0"/>
               <a:t>	}</a:t>
             </a:r>
           </a:p>
@@ -11384,7 +11390,7 @@
               <a:buNone/>
             </a:pPr>
             <a:r>
-              <a:rPr lang="en" sz="1800"/>
+              <a:rPr lang="en" sz="1800" dirty="0"/>
               <a:t>}</a:t>
             </a:r>
           </a:p>
@@ -11396,7 +11402,7 @@
               <a:buNone/>
             </a:pPr>
             <a:r>
-              <a:rPr lang="en" sz="1800"/>
+              <a:rPr lang="en" sz="1800" dirty="0"/>
               <a:t>javac HelloWorld.java</a:t>
             </a:r>
           </a:p>
@@ -11408,7 +11414,7 @@
               <a:buNone/>
             </a:pPr>
             <a:r>
-              <a:rPr lang="en" sz="1800"/>
+              <a:rPr lang="en" sz="1800" dirty="0"/>
               <a:t>java HelloWorld</a:t>
             </a:r>
           </a:p>
@@ -12933,7 +12939,7 @@
           <p:cNvPr id="5" name="Picture 4">
             <a:extLst>
               <a:ext uri="{FF2B5EF4-FFF2-40B4-BE49-F238E27FC236}">
-                <a16:creationId xmlns:a16="http://schemas.microsoft.com/office/drawing/2014/main" id="{30F8C7C8-CC32-4582-ACDE-BFFF0A7B3E0A}"/>
+                <a16:creationId xmlns:a16="http://schemas.microsoft.com/office/drawing/2014/main" xmlns="" id="{30F8C7C8-CC32-4582-ACDE-BFFF0A7B3E0A}"/>
               </a:ext>
             </a:extLst>
           </p:cNvPr>
@@ -12961,7 +12967,7 @@
     </p:spTree>
     <p:extLst>
       <p:ext uri="{BB962C8B-B14F-4D97-AF65-F5344CB8AC3E}">
-        <p14:creationId xmlns:p14="http://schemas.microsoft.com/office/powerpoint/2010/main" val="1237013266"/>
+        <p14:creationId xmlns:p14="http://schemas.microsoft.com/office/powerpoint/2010/main" xmlns="" val="1237013266"/>
       </p:ext>
     </p:extLst>
   </p:cSld>
@@ -13149,7 +13155,7 @@
           <p:cNvPr id="3" name="Picture 2">
             <a:extLst>
               <a:ext uri="{FF2B5EF4-FFF2-40B4-BE49-F238E27FC236}">
-                <a16:creationId xmlns:a16="http://schemas.microsoft.com/office/drawing/2014/main" id="{059E99B8-470E-4E69-A87B-1A11FCEA0B85}"/>
+                <a16:creationId xmlns:a16="http://schemas.microsoft.com/office/drawing/2014/main" xmlns="" id="{059E99B8-470E-4E69-A87B-1A11FCEA0B85}"/>
               </a:ext>
             </a:extLst>
           </p:cNvPr>
@@ -13177,7 +13183,7 @@
     </p:spTree>
     <p:extLst>
       <p:ext uri="{BB962C8B-B14F-4D97-AF65-F5344CB8AC3E}">
-        <p14:creationId xmlns:p14="http://schemas.microsoft.com/office/powerpoint/2010/main" val="885311825"/>
+        <p14:creationId xmlns:p14="http://schemas.microsoft.com/office/powerpoint/2010/main" xmlns="" val="885311825"/>
       </p:ext>
     </p:extLst>
   </p:cSld>
@@ -13365,7 +13371,7 @@
           <p:cNvPr id="4" name="Picture 3">
             <a:extLst>
               <a:ext uri="{FF2B5EF4-FFF2-40B4-BE49-F238E27FC236}">
-                <a16:creationId xmlns:a16="http://schemas.microsoft.com/office/drawing/2014/main" id="{FF2EFD22-E1C6-4B6D-BF2A-E55BA8B0C9E7}"/>
+                <a16:creationId xmlns:a16="http://schemas.microsoft.com/office/drawing/2014/main" xmlns="" id="{FF2EFD22-E1C6-4B6D-BF2A-E55BA8B0C9E7}"/>
               </a:ext>
             </a:extLst>
           </p:cNvPr>
@@ -13393,7 +13399,7 @@
     </p:spTree>
     <p:extLst>
       <p:ext uri="{BB962C8B-B14F-4D97-AF65-F5344CB8AC3E}">
-        <p14:creationId xmlns:p14="http://schemas.microsoft.com/office/powerpoint/2010/main" val="1544259847"/>
+        <p14:creationId xmlns:p14="http://schemas.microsoft.com/office/powerpoint/2010/main" xmlns="" val="1544259847"/>
       </p:ext>
     </p:extLst>
   </p:cSld>
@@ -13445,35 +13451,35 @@
           </a:bodyPr>
           <a:lstStyle/>
           <a:p>
-            <a:pPr lvl="0"/>
+            <a:pPr lvl="0" algn="just"/>
             <a:r>
               <a:rPr lang="en-IN" b="1" dirty="0"/>
               <a:t>JDK</a:t>
             </a:r>
             <a:r>
               <a:rPr lang="en-IN" dirty="0"/>
-              <a:t> is an acronym for Java Development </a:t>
-            </a:r>
-            <a:r>
-              <a:rPr lang="en-IN" dirty="0" err="1"/>
-              <a:t>Kit.It</a:t>
+              <a:t> is an acronym for Java Development Kit</a:t>
+            </a:r>
+            <a:r>
+              <a:rPr lang="en-IN" dirty="0" smtClean="0"/>
+              <a:t>. It </a:t>
             </a:r>
             <a:r>
               <a:rPr lang="en-IN" dirty="0"/>
-              <a:t> physically </a:t>
-            </a:r>
-            <a:r>
-              <a:rPr lang="en-IN" dirty="0" err="1"/>
-              <a:t>exists.It</a:t>
+              <a:t>physically exists</a:t>
+            </a:r>
+            <a:r>
+              <a:rPr lang="en-IN" dirty="0" smtClean="0"/>
+              <a:t>. It </a:t>
             </a:r>
             <a:r>
               <a:rPr lang="en-IN" dirty="0"/>
-              <a:t> contains JRE + development tools.</a:t>
+              <a:t>contains JRE + development tools.</a:t>
             </a:r>
             <a:endParaRPr sz="1200" dirty="0"/>
           </a:p>
           <a:p>
-            <a:pPr lvl="0" rtl="0">
+            <a:pPr lvl="0" algn="just" rtl="0">
               <a:spcBef>
                 <a:spcPts val="0"/>
               </a:spcBef>
@@ -13485,7 +13491,7 @@
             </a:r>
           </a:p>
           <a:p>
-            <a:pPr lvl="0" rtl="0">
+            <a:pPr lvl="0" algn="just" rtl="0">
               <a:spcBef>
                 <a:spcPts val="0"/>
               </a:spcBef>
@@ -13494,7 +13500,7 @@
             <a:endParaRPr sz="1200" dirty="0"/>
           </a:p>
           <a:p>
-            <a:pPr lvl="0" rtl="0">
+            <a:pPr lvl="0" algn="just" rtl="0">
               <a:spcBef>
                 <a:spcPts val="0"/>
               </a:spcBef>
@@ -13503,7 +13509,7 @@
             <a:endParaRPr dirty="0"/>
           </a:p>
           <a:p>
-            <a:pPr lvl="0" rtl="0">
+            <a:pPr lvl="0" algn="just" rtl="0">
               <a:spcBef>
                 <a:spcPts val="0"/>
               </a:spcBef>
@@ -13512,7 +13518,7 @@
             <a:endParaRPr sz="1200" dirty="0"/>
           </a:p>
           <a:p>
-            <a:pPr lvl="0" rtl="0">
+            <a:pPr lvl="0" algn="just" rtl="0">
               <a:spcBef>
                 <a:spcPts val="0"/>
               </a:spcBef>
@@ -13528,7 +13534,7 @@
             </a:r>
           </a:p>
           <a:p>
-            <a:pPr lvl="0" rtl="0">
+            <a:pPr lvl="0" algn="just" rtl="0">
               <a:spcBef>
                 <a:spcPts val="0"/>
               </a:spcBef>
@@ -13537,7 +13543,7 @@
             <a:endParaRPr sz="1800" dirty="0"/>
           </a:p>
           <a:p>
-            <a:pPr lvl="0" rtl="0">
+            <a:pPr lvl="0" algn="just" rtl="0">
               <a:spcBef>
                 <a:spcPts val="0"/>
               </a:spcBef>
@@ -13589,7 +13595,7 @@
     </p:spTree>
     <p:extLst>
       <p:ext uri="{BB962C8B-B14F-4D97-AF65-F5344CB8AC3E}">
-        <p14:creationId xmlns:p14="http://schemas.microsoft.com/office/powerpoint/2010/main" val="340326244"/>
+        <p14:creationId xmlns:p14="http://schemas.microsoft.com/office/powerpoint/2010/main" xmlns="" val="340326244"/>
       </p:ext>
     </p:extLst>
   </p:cSld>
@@ -13671,6 +13677,10 @@
               <a:rPr lang="en-IN" sz="2000" b="1" dirty="0"/>
               <a:t>Loads code</a:t>
             </a:r>
+            <a:r>
+              <a:rPr lang="en-IN" sz="2000" dirty="0"/>
+              <a:t/>
+            </a:r>
             <a:br>
               <a:rPr lang="en-IN" sz="2000" dirty="0"/>
             </a:br>
@@ -13678,12 +13688,20 @@
               <a:rPr lang="en-IN" sz="2000" b="1" dirty="0"/>
               <a:t>Verifies code</a:t>
             </a:r>
+            <a:r>
+              <a:rPr lang="en-IN" sz="2000" dirty="0"/>
+              <a:t/>
+            </a:r>
             <a:br>
               <a:rPr lang="en-IN" sz="2000" dirty="0"/>
             </a:br>
             <a:r>
               <a:rPr lang="en-IN" sz="2000" b="1" dirty="0"/>
               <a:t>Executes code</a:t>
+            </a:r>
+            <a:r>
+              <a:rPr lang="en-IN" sz="2000" dirty="0"/>
+              <a:t/>
             </a:r>
             <a:br>
               <a:rPr lang="en-IN" sz="2000" dirty="0"/>
@@ -13820,7 +13838,7 @@
     </p:spTree>
     <p:extLst>
       <p:ext uri="{BB962C8B-B14F-4D97-AF65-F5344CB8AC3E}">
-        <p14:creationId xmlns:p14="http://schemas.microsoft.com/office/powerpoint/2010/main" val="1700427964"/>
+        <p14:creationId xmlns:p14="http://schemas.microsoft.com/office/powerpoint/2010/main" xmlns="" val="1700427964"/>
       </p:ext>
     </p:extLst>
   </p:cSld>
@@ -13910,7 +13928,7 @@
           </a:bodyPr>
           <a:lstStyle/>
           <a:p>
-            <a:pPr lvl="0" rtl="0">
+            <a:pPr lvl="0" algn="just" rtl="0">
               <a:spcBef>
                 <a:spcPts val="0"/>
               </a:spcBef>
@@ -13922,7 +13940,7 @@
             </a:r>
           </a:p>
           <a:p>
-            <a:pPr marL="457200" lvl="0" indent="-381000" rtl="0">
+            <a:pPr marL="457200" lvl="0" indent="-381000" algn="just" rtl="0">
               <a:spcBef>
                 <a:spcPts val="0"/>
               </a:spcBef>
@@ -13935,7 +13953,7 @@
             </a:r>
           </a:p>
           <a:p>
-            <a:pPr marL="457200" lvl="0" indent="-381000" rtl="0">
+            <a:pPr marL="457200" lvl="0" indent="-381000" algn="just" rtl="0">
               <a:spcBef>
                 <a:spcPts val="0"/>
               </a:spcBef>
@@ -13954,7 +13972,7 @@
             </a:r>
           </a:p>
           <a:p>
-            <a:pPr marL="457200" lvl="0" indent="-381000" rtl="0">
+            <a:pPr marL="457200" lvl="0" indent="-381000" algn="just" rtl="0">
               <a:spcBef>
                 <a:spcPts val="0"/>
               </a:spcBef>
@@ -13967,7 +13985,7 @@
             </a:r>
           </a:p>
           <a:p>
-            <a:pPr marL="457200" lvl="0" indent="-381000" rtl="0">
+            <a:pPr marL="457200" lvl="0" indent="-381000" algn="just" rtl="0">
               <a:spcBef>
                 <a:spcPts val="0"/>
               </a:spcBef>
@@ -13992,7 +14010,7 @@
             </a:r>
           </a:p>
           <a:p>
-            <a:pPr lvl="0">
+            <a:pPr lvl="0" algn="just">
               <a:spcBef>
                 <a:spcPts val="0"/>
               </a:spcBef>
@@ -14039,7 +14057,7 @@
         </p:nvSpPr>
         <p:spPr>
           <a:xfrm>
-            <a:off x="457200" y="1200150"/>
+            <a:off x="516834" y="1080880"/>
             <a:ext cx="8229600" cy="3725699"/>
           </a:xfrm>
           <a:prstGeom prst="rect">
@@ -14052,7 +14070,7 @@
           </a:bodyPr>
           <a:lstStyle/>
           <a:p>
-            <a:pPr lvl="0"/>
+            <a:pPr lvl="0" algn="just"/>
             <a:r>
               <a:rPr lang="en-IN" b="1" dirty="0"/>
               <a:t>JRE</a:t>
@@ -14092,6 +14110,10 @@
             <a:r>
               <a:rPr lang="en-IN" dirty="0"/>
               <a:t> contains set of libraries + other files that JVM uses at runtime.</a:t>
+            </a:r>
+            <a:r>
+              <a:rPr lang="en-IN" sz="1200" dirty="0"/>
+              <a:t/>
             </a:r>
             <a:br>
               <a:rPr lang="en-IN" sz="1200" dirty="0"/>
@@ -14103,7 +14125,7 @@
             <a:endParaRPr sz="1200" dirty="0"/>
           </a:p>
           <a:p>
-            <a:pPr lvl="0" rtl="0">
+            <a:pPr lvl="0" algn="just" rtl="0">
               <a:spcBef>
                 <a:spcPts val="0"/>
               </a:spcBef>
@@ -14115,7 +14137,7 @@
             </a:r>
           </a:p>
           <a:p>
-            <a:pPr lvl="0" rtl="0">
+            <a:pPr lvl="0" algn="just" rtl="0">
               <a:spcBef>
                 <a:spcPts val="0"/>
               </a:spcBef>
@@ -14124,7 +14146,7 @@
             <a:endParaRPr sz="1200" dirty="0"/>
           </a:p>
           <a:p>
-            <a:pPr lvl="0" rtl="0">
+            <a:pPr lvl="0" algn="just" rtl="0">
               <a:spcBef>
                 <a:spcPts val="0"/>
               </a:spcBef>
@@ -14133,7 +14155,7 @@
             <a:endParaRPr dirty="0"/>
           </a:p>
           <a:p>
-            <a:pPr lvl="0" rtl="0">
+            <a:pPr lvl="0" algn="just" rtl="0">
               <a:spcBef>
                 <a:spcPts val="0"/>
               </a:spcBef>
@@ -14142,7 +14164,7 @@
             <a:endParaRPr sz="1200" dirty="0"/>
           </a:p>
           <a:p>
-            <a:pPr lvl="0" rtl="0">
+            <a:pPr lvl="0" algn="just" rtl="0">
               <a:spcBef>
                 <a:spcPts val="0"/>
               </a:spcBef>
@@ -14158,7 +14180,7 @@
             </a:r>
           </a:p>
           <a:p>
-            <a:pPr lvl="0" rtl="0">
+            <a:pPr lvl="0" algn="just" rtl="0">
               <a:spcBef>
                 <a:spcPts val="0"/>
               </a:spcBef>
@@ -14167,7 +14189,7 @@
             <a:endParaRPr sz="1800" dirty="0"/>
           </a:p>
           <a:p>
-            <a:pPr lvl="0" rtl="0">
+            <a:pPr lvl="0" algn="just" rtl="0">
               <a:spcBef>
                 <a:spcPts val="0"/>
               </a:spcBef>
@@ -14219,7 +14241,7 @@
     </p:spTree>
     <p:extLst>
       <p:ext uri="{BB962C8B-B14F-4D97-AF65-F5344CB8AC3E}">
-        <p14:creationId xmlns:p14="http://schemas.microsoft.com/office/powerpoint/2010/main" val="2428999146"/>
+        <p14:creationId xmlns:p14="http://schemas.microsoft.com/office/powerpoint/2010/main" xmlns="" val="2428999146"/>
       </p:ext>
     </p:extLst>
   </p:cSld>
@@ -14271,9 +14293,17 @@
           </a:bodyPr>
           <a:lstStyle/>
           <a:p>
+            <a:r>
+              <a:rPr lang="en-IN" dirty="0"/>
+              <a:t/>
+            </a:r>
             <a:br>
               <a:rPr lang="en-IN" dirty="0"/>
             </a:br>
+            <a:r>
+              <a:rPr lang="en-IN" sz="1800" dirty="0"/>
+              <a:t/>
+            </a:r>
             <a:br>
               <a:rPr lang="en-IN" sz="1800" dirty="0"/>
             </a:br>
@@ -14386,7 +14416,7 @@
           <p:cNvPr id="3" name="Picture 2">
             <a:extLst>
               <a:ext uri="{FF2B5EF4-FFF2-40B4-BE49-F238E27FC236}">
-                <a16:creationId xmlns:a16="http://schemas.microsoft.com/office/drawing/2014/main" id="{CF2D1AD8-AFE9-4879-993C-38FA01B8A9E3}"/>
+                <a16:creationId xmlns:a16="http://schemas.microsoft.com/office/drawing/2014/main" xmlns="" id="{CF2D1AD8-AFE9-4879-993C-38FA01B8A9E3}"/>
               </a:ext>
             </a:extLst>
           </p:cNvPr>
@@ -14414,7 +14444,7 @@
     </p:spTree>
     <p:extLst>
       <p:ext uri="{BB962C8B-B14F-4D97-AF65-F5344CB8AC3E}">
-        <p14:creationId xmlns:p14="http://schemas.microsoft.com/office/powerpoint/2010/main" val="2753491170"/>
+        <p14:creationId xmlns:p14="http://schemas.microsoft.com/office/powerpoint/2010/main" xmlns="" val="2753491170"/>
       </p:ext>
     </p:extLst>
   </p:cSld>
@@ -14466,9 +14496,17 @@
           </a:bodyPr>
           <a:lstStyle/>
           <a:p>
+            <a:r>
+              <a:rPr lang="en-IN" dirty="0"/>
+              <a:t/>
+            </a:r>
             <a:br>
               <a:rPr lang="en-IN" dirty="0"/>
             </a:br>
+            <a:r>
+              <a:rPr lang="en-IN" sz="1800" dirty="0"/>
+              <a:t/>
+            </a:r>
             <a:br>
               <a:rPr lang="en-IN" sz="1800" dirty="0"/>
             </a:br>
@@ -14581,7 +14619,7 @@
           <p:cNvPr id="4" name="Picture 3">
             <a:extLst>
               <a:ext uri="{FF2B5EF4-FFF2-40B4-BE49-F238E27FC236}">
-                <a16:creationId xmlns:a16="http://schemas.microsoft.com/office/drawing/2014/main" id="{156F4FE2-1952-423E-BEF5-DD87987D984E}"/>
+                <a16:creationId xmlns:a16="http://schemas.microsoft.com/office/drawing/2014/main" xmlns="" id="{156F4FE2-1952-423E-BEF5-DD87987D984E}"/>
               </a:ext>
             </a:extLst>
           </p:cNvPr>
@@ -14609,7 +14647,7 @@
     </p:spTree>
     <p:extLst>
       <p:ext uri="{BB962C8B-B14F-4D97-AF65-F5344CB8AC3E}">
-        <p14:creationId xmlns:p14="http://schemas.microsoft.com/office/powerpoint/2010/main" val="1462851916"/>
+        <p14:creationId xmlns:p14="http://schemas.microsoft.com/office/powerpoint/2010/main" xmlns="" val="1462851916"/>
       </p:ext>
     </p:extLst>
   </p:cSld>
@@ -14661,9 +14699,17 @@
           </a:bodyPr>
           <a:lstStyle/>
           <a:p>
+            <a:r>
+              <a:rPr lang="en-IN" dirty="0"/>
+              <a:t/>
+            </a:r>
             <a:br>
               <a:rPr lang="en-IN" dirty="0"/>
             </a:br>
+            <a:r>
+              <a:rPr lang="en-IN" sz="1800" dirty="0"/>
+              <a:t/>
+            </a:r>
             <a:br>
               <a:rPr lang="en-IN" sz="1800" dirty="0"/>
             </a:br>
@@ -14776,7 +14822,7 @@
           <p:cNvPr id="3" name="Picture 2">
             <a:extLst>
               <a:ext uri="{FF2B5EF4-FFF2-40B4-BE49-F238E27FC236}">
-                <a16:creationId xmlns:a16="http://schemas.microsoft.com/office/drawing/2014/main" id="{47C72FB8-DFA7-457B-8916-A6BD3494FAA4}"/>
+                <a16:creationId xmlns:a16="http://schemas.microsoft.com/office/drawing/2014/main" xmlns="" id="{47C72FB8-DFA7-457B-8916-A6BD3494FAA4}"/>
               </a:ext>
             </a:extLst>
           </p:cNvPr>
@@ -14804,7 +14850,7 @@
     </p:spTree>
     <p:extLst>
       <p:ext uri="{BB962C8B-B14F-4D97-AF65-F5344CB8AC3E}">
-        <p14:creationId xmlns:p14="http://schemas.microsoft.com/office/powerpoint/2010/main" val="549485142"/>
+        <p14:creationId xmlns:p14="http://schemas.microsoft.com/office/powerpoint/2010/main" xmlns="" val="549485142"/>
       </p:ext>
     </p:extLst>
   </p:cSld>
@@ -14856,9 +14902,17 @@
           </a:bodyPr>
           <a:lstStyle/>
           <a:p>
+            <a:r>
+              <a:rPr lang="en-IN" dirty="0"/>
+              <a:t/>
+            </a:r>
             <a:br>
               <a:rPr lang="en-IN" dirty="0"/>
             </a:br>
+            <a:r>
+              <a:rPr lang="en-IN" sz="1800" dirty="0"/>
+              <a:t/>
+            </a:r>
             <a:br>
               <a:rPr lang="en-IN" sz="1800" dirty="0"/>
             </a:br>
@@ -14971,7 +15025,7 @@
           <p:cNvPr id="4" name="Picture 3">
             <a:extLst>
               <a:ext uri="{FF2B5EF4-FFF2-40B4-BE49-F238E27FC236}">
-                <a16:creationId xmlns:a16="http://schemas.microsoft.com/office/drawing/2014/main" id="{5A9882C0-32CB-470B-BEB4-7CCF12D2F4FF}"/>
+                <a16:creationId xmlns:a16="http://schemas.microsoft.com/office/drawing/2014/main" xmlns="" id="{5A9882C0-32CB-470B-BEB4-7CCF12D2F4FF}"/>
               </a:ext>
             </a:extLst>
           </p:cNvPr>
@@ -14988,8 +15042,8 @@
         </p:blipFill>
         <p:spPr>
           <a:xfrm>
-            <a:off x="669851" y="1417801"/>
-            <a:ext cx="7570382" cy="3388116"/>
+            <a:off x="669851" y="1113184"/>
+            <a:ext cx="7570382" cy="3692734"/>
           </a:xfrm>
           <a:prstGeom prst="rect">
             <a:avLst/>
@@ -14999,7 +15053,7 @@
     </p:spTree>
     <p:extLst>
       <p:ext uri="{BB962C8B-B14F-4D97-AF65-F5344CB8AC3E}">
-        <p14:creationId xmlns:p14="http://schemas.microsoft.com/office/powerpoint/2010/main" val="4046398851"/>
+        <p14:creationId xmlns:p14="http://schemas.microsoft.com/office/powerpoint/2010/main" xmlns="" val="4046398851"/>
       </p:ext>
     </p:extLst>
   </p:cSld>
@@ -15038,7 +15092,7 @@
         </p:nvSpPr>
         <p:spPr>
           <a:xfrm>
-            <a:off x="531628" y="1417801"/>
+            <a:off x="531628" y="1139506"/>
             <a:ext cx="8229600" cy="3725699"/>
           </a:xfrm>
           <a:prstGeom prst="rect">
@@ -15051,12 +15105,14 @@
           </a:bodyPr>
           <a:lstStyle/>
           <a:p>
+            <a:pPr algn="just"/>
             <a:r>
               <a:rPr lang="en-IN" sz="1600" b="1" dirty="0"/>
               <a:t>Advantage of Java Array</a:t>
             </a:r>
           </a:p>
           <a:p>
+            <a:pPr algn="just"/>
             <a:r>
               <a:rPr lang="en-IN" sz="1600" b="1" dirty="0"/>
               <a:t>Code Optimization:</a:t>
@@ -15067,6 +15123,7 @@
             </a:r>
           </a:p>
           <a:p>
+            <a:pPr algn="just"/>
             <a:r>
               <a:rPr lang="en-IN" sz="1600" b="1" dirty="0"/>
               <a:t>Random access:</a:t>
@@ -15077,12 +15134,14 @@
             </a:r>
           </a:p>
           <a:p>
+            <a:pPr algn="just"/>
             <a:r>
               <a:rPr lang="en-IN" sz="1600" dirty="0"/>
               <a:t>Disadvantage of Java Array</a:t>
             </a:r>
           </a:p>
           <a:p>
+            <a:pPr algn="just"/>
             <a:r>
               <a:rPr lang="en-IN" sz="1600" b="1" dirty="0"/>
               <a:t>Size Limit:</a:t>
@@ -15093,12 +15152,14 @@
             </a:r>
           </a:p>
           <a:p>
+            <a:pPr algn="just"/>
             <a:r>
               <a:rPr lang="en-IN" sz="1400" b="1" dirty="0"/>
               <a:t>Syntax to Declare an Array in java</a:t>
             </a:r>
           </a:p>
           <a:p>
+            <a:pPr algn="just"/>
             <a:r>
               <a:rPr lang="en-IN" sz="1400" dirty="0" err="1"/>
               <a:t>dataType</a:t>
@@ -15117,6 +15178,7 @@
             </a:r>
           </a:p>
           <a:p>
+            <a:pPr algn="just"/>
             <a:r>
               <a:rPr lang="en-IN" sz="1400" dirty="0" err="1"/>
               <a:t>dataType</a:t>
@@ -15135,6 +15197,7 @@
             </a:r>
           </a:p>
           <a:p>
+            <a:pPr algn="just"/>
             <a:r>
               <a:rPr lang="en-IN" sz="1400" dirty="0" err="1"/>
               <a:t>dataType</a:t>
@@ -15157,12 +15220,14 @@
             </a:r>
           </a:p>
           <a:p>
+            <a:pPr algn="just"/>
             <a:r>
               <a:rPr lang="en-IN" sz="1600" dirty="0"/>
               <a:t>Instantiation</a:t>
             </a:r>
           </a:p>
           <a:p>
+            <a:pPr algn="just"/>
             <a:r>
               <a:rPr lang="en-IN" sz="1600" dirty="0" err="1"/>
               <a:t>arr</a:t>
@@ -15173,22 +15238,32 @@
             </a:r>
           </a:p>
           <a:p>
+            <a:pPr algn="just"/>
             <a:r>
               <a:rPr lang="en-IN" sz="1600" dirty="0"/>
               <a:t>int a[]=new int[5];//declaration and instantiation  </a:t>
             </a:r>
           </a:p>
           <a:p>
+            <a:pPr algn="just"/>
+            <a:r>
+              <a:rPr lang="en-IN" dirty="0"/>
+              <a:t/>
+            </a:r>
             <a:br>
               <a:rPr lang="en-IN" dirty="0"/>
             </a:br>
+            <a:r>
+              <a:rPr lang="en-IN" sz="1800" dirty="0"/>
+              <a:t/>
+            </a:r>
             <a:br>
               <a:rPr lang="en-IN" sz="1800" dirty="0"/>
             </a:br>
             <a:endParaRPr lang="en-IN" sz="1800" dirty="0"/>
           </a:p>
           <a:p>
-            <a:pPr lvl="0" rtl="0">
+            <a:pPr lvl="0" algn="just" rtl="0">
               <a:spcBef>
                 <a:spcPts val="0"/>
               </a:spcBef>
@@ -15197,7 +15272,7 @@
             <a:endParaRPr sz="1800" dirty="0"/>
           </a:p>
           <a:p>
-            <a:pPr lvl="0" rtl="0">
+            <a:pPr lvl="0" algn="just" rtl="0">
               <a:spcBef>
                 <a:spcPts val="0"/>
               </a:spcBef>
@@ -15206,7 +15281,7 @@
             <a:endParaRPr dirty="0"/>
           </a:p>
           <a:p>
-            <a:pPr lvl="0" rtl="0">
+            <a:pPr lvl="0" algn="just" rtl="0">
               <a:spcBef>
                 <a:spcPts val="0"/>
               </a:spcBef>
@@ -15215,7 +15290,7 @@
             <a:endParaRPr sz="1200" dirty="0"/>
           </a:p>
           <a:p>
-            <a:pPr lvl="0" rtl="0">
+            <a:pPr lvl="0" algn="just" rtl="0">
               <a:spcBef>
                 <a:spcPts val="0"/>
               </a:spcBef>
@@ -15231,7 +15306,7 @@
             </a:r>
           </a:p>
           <a:p>
-            <a:pPr lvl="0" rtl="0">
+            <a:pPr lvl="0" algn="just" rtl="0">
               <a:spcBef>
                 <a:spcPts val="0"/>
               </a:spcBef>
@@ -15240,7 +15315,7 @@
             <a:endParaRPr sz="1800" dirty="0"/>
           </a:p>
           <a:p>
-            <a:pPr lvl="0" rtl="0">
+            <a:pPr lvl="0" algn="just" rtl="0">
               <a:spcBef>
                 <a:spcPts val="0"/>
               </a:spcBef>
@@ -15292,7 +15367,7 @@
     </p:spTree>
     <p:extLst>
       <p:ext uri="{BB962C8B-B14F-4D97-AF65-F5344CB8AC3E}">
-        <p14:creationId xmlns:p14="http://schemas.microsoft.com/office/powerpoint/2010/main" val="1680280387"/>
+        <p14:creationId xmlns:p14="http://schemas.microsoft.com/office/powerpoint/2010/main" xmlns="" val="1680280387"/>
       </p:ext>
     </p:extLst>
   </p:cSld>
@@ -15472,9 +15547,17 @@
             <a:endParaRPr lang="en-IN" sz="1600" dirty="0"/>
           </a:p>
           <a:p>
+            <a:r>
+              <a:rPr lang="en-IN" dirty="0"/>
+              <a:t/>
+            </a:r>
             <a:br>
               <a:rPr lang="en-IN" dirty="0"/>
             </a:br>
+            <a:r>
+              <a:rPr lang="en-IN" sz="1800" dirty="0"/>
+              <a:t/>
+            </a:r>
             <a:br>
               <a:rPr lang="en-IN" sz="1800" dirty="0"/>
             </a:br>
@@ -15585,7 +15668,7 @@
     </p:spTree>
     <p:extLst>
       <p:ext uri="{BB962C8B-B14F-4D97-AF65-F5344CB8AC3E}">
-        <p14:creationId xmlns:p14="http://schemas.microsoft.com/office/powerpoint/2010/main" val="3963171145"/>
+        <p14:creationId xmlns:p14="http://schemas.microsoft.com/office/powerpoint/2010/main" xmlns="" val="3963171145"/>
       </p:ext>
     </p:extLst>
   </p:cSld>
@@ -15646,9 +15729,17 @@
             <a:endParaRPr lang="en-IN" sz="1600" dirty="0"/>
           </a:p>
           <a:p>
+            <a:r>
+              <a:rPr lang="en-IN" dirty="0"/>
+              <a:t/>
+            </a:r>
             <a:br>
               <a:rPr lang="en-IN" dirty="0"/>
             </a:br>
+            <a:r>
+              <a:rPr lang="en-IN" sz="1800" dirty="0"/>
+              <a:t/>
+            </a:r>
             <a:br>
               <a:rPr lang="en-IN" sz="1800" dirty="0"/>
             </a:br>
@@ -15761,7 +15852,7 @@
           <p:cNvPr id="3" name="Picture 2">
             <a:extLst>
               <a:ext uri="{FF2B5EF4-FFF2-40B4-BE49-F238E27FC236}">
-                <a16:creationId xmlns:a16="http://schemas.microsoft.com/office/drawing/2014/main" id="{8B73C3DA-80FF-4CDE-AF94-F6CC9B989578}"/>
+                <a16:creationId xmlns:a16="http://schemas.microsoft.com/office/drawing/2014/main" xmlns="" id="{8B73C3DA-80FF-4CDE-AF94-F6CC9B989578}"/>
               </a:ext>
             </a:extLst>
           </p:cNvPr>
@@ -15789,7 +15880,7 @@
     </p:spTree>
     <p:extLst>
       <p:ext uri="{BB962C8B-B14F-4D97-AF65-F5344CB8AC3E}">
-        <p14:creationId xmlns:p14="http://schemas.microsoft.com/office/powerpoint/2010/main" val="3878928593"/>
+        <p14:creationId xmlns:p14="http://schemas.microsoft.com/office/powerpoint/2010/main" xmlns="" val="3878928593"/>
       </p:ext>
     </p:extLst>
   </p:cSld>
@@ -15941,9 +16032,17 @@
             </a:r>
           </a:p>
           <a:p>
+            <a:r>
+              <a:rPr lang="en-IN" dirty="0"/>
+              <a:t/>
+            </a:r>
             <a:br>
               <a:rPr lang="en-IN" dirty="0"/>
             </a:br>
+            <a:r>
+              <a:rPr lang="en-IN" sz="1800" dirty="0"/>
+              <a:t/>
+            </a:r>
             <a:br>
               <a:rPr lang="en-IN" sz="1800" dirty="0"/>
             </a:br>
@@ -16054,7 +16153,7 @@
     </p:spTree>
     <p:extLst>
       <p:ext uri="{BB962C8B-B14F-4D97-AF65-F5344CB8AC3E}">
-        <p14:creationId xmlns:p14="http://schemas.microsoft.com/office/powerpoint/2010/main" val="25843717"/>
+        <p14:creationId xmlns:p14="http://schemas.microsoft.com/office/powerpoint/2010/main" xmlns="" val="25843717"/>
       </p:ext>
     </p:extLst>
   </p:cSld>
@@ -16183,15 +16282,31 @@
             </a:r>
           </a:p>
           <a:p>
+            <a:r>
+              <a:rPr lang="en-IN" dirty="0"/>
+              <a:t/>
+            </a:r>
             <a:br>
               <a:rPr lang="en-IN" dirty="0"/>
             </a:br>
+            <a:r>
+              <a:rPr lang="en-IN" dirty="0"/>
+              <a:t/>
+            </a:r>
             <a:br>
               <a:rPr lang="en-IN" dirty="0"/>
             </a:br>
+            <a:r>
+              <a:rPr lang="en-IN" dirty="0"/>
+              <a:t/>
+            </a:r>
             <a:br>
               <a:rPr lang="en-IN" dirty="0"/>
             </a:br>
+            <a:r>
+              <a:rPr lang="en-IN" sz="1800" dirty="0"/>
+              <a:t/>
+            </a:r>
             <a:br>
               <a:rPr lang="en-IN" sz="1800" dirty="0"/>
             </a:br>
@@ -16302,7 +16417,7 @@
     </p:spTree>
     <p:extLst>
       <p:ext uri="{BB962C8B-B14F-4D97-AF65-F5344CB8AC3E}">
-        <p14:creationId xmlns:p14="http://schemas.microsoft.com/office/powerpoint/2010/main" val="3078296389"/>
+        <p14:creationId xmlns:p14="http://schemas.microsoft.com/office/powerpoint/2010/main" xmlns="" val="3078296389"/>
       </p:ext>
     </p:extLst>
   </p:cSld>
@@ -16720,15 +16835,31 @@
             </a:r>
           </a:p>
           <a:p>
+            <a:r>
+              <a:rPr lang="en-IN" dirty="0"/>
+              <a:t/>
+            </a:r>
             <a:br>
               <a:rPr lang="en-IN" dirty="0"/>
             </a:br>
+            <a:r>
+              <a:rPr lang="en-IN" dirty="0"/>
+              <a:t/>
+            </a:r>
             <a:br>
               <a:rPr lang="en-IN" dirty="0"/>
             </a:br>
+            <a:r>
+              <a:rPr lang="en-IN" dirty="0"/>
+              <a:t/>
+            </a:r>
             <a:br>
               <a:rPr lang="en-IN" dirty="0"/>
             </a:br>
+            <a:r>
+              <a:rPr lang="en-IN" sz="1800" dirty="0"/>
+              <a:t/>
+            </a:r>
             <a:br>
               <a:rPr lang="en-IN" sz="1800" dirty="0"/>
             </a:br>
@@ -16839,7 +16970,7 @@
     </p:spTree>
     <p:extLst>
       <p:ext uri="{BB962C8B-B14F-4D97-AF65-F5344CB8AC3E}">
-        <p14:creationId xmlns:p14="http://schemas.microsoft.com/office/powerpoint/2010/main" val="3248389300"/>
+        <p14:creationId xmlns:p14="http://schemas.microsoft.com/office/powerpoint/2010/main" xmlns="" val="3248389300"/>
       </p:ext>
     </p:extLst>
   </p:cSld>
@@ -16897,15 +17028,31 @@
             </a:r>
           </a:p>
           <a:p>
+            <a:r>
+              <a:rPr lang="en-IN" dirty="0"/>
+              <a:t/>
+            </a:r>
             <a:br>
               <a:rPr lang="en-IN" dirty="0"/>
             </a:br>
+            <a:r>
+              <a:rPr lang="en-IN" dirty="0"/>
+              <a:t/>
+            </a:r>
             <a:br>
               <a:rPr lang="en-IN" dirty="0"/>
             </a:br>
+            <a:r>
+              <a:rPr lang="en-IN" dirty="0"/>
+              <a:t/>
+            </a:r>
             <a:br>
               <a:rPr lang="en-IN" dirty="0"/>
             </a:br>
+            <a:r>
+              <a:rPr lang="en-IN" sz="1800" dirty="0"/>
+              <a:t/>
+            </a:r>
             <a:br>
               <a:rPr lang="en-IN" sz="1800" dirty="0"/>
             </a:br>
@@ -17018,7 +17165,7 @@
           <p:cNvPr id="3" name="Picture 2">
             <a:extLst>
               <a:ext uri="{FF2B5EF4-FFF2-40B4-BE49-F238E27FC236}">
-                <a16:creationId xmlns:a16="http://schemas.microsoft.com/office/drawing/2014/main" id="{03FD1416-9595-41BF-8958-D8A3537D7EA1}"/>
+                <a16:creationId xmlns:a16="http://schemas.microsoft.com/office/drawing/2014/main" xmlns="" id="{03FD1416-9595-41BF-8958-D8A3537D7EA1}"/>
               </a:ext>
             </a:extLst>
           </p:cNvPr>
@@ -17048,7 +17195,7 @@
           <p:cNvPr id="5" name="Picture 4">
             <a:extLst>
               <a:ext uri="{FF2B5EF4-FFF2-40B4-BE49-F238E27FC236}">
-                <a16:creationId xmlns:a16="http://schemas.microsoft.com/office/drawing/2014/main" id="{78D16D1A-2DB8-4006-B98A-2F207552FE9D}"/>
+                <a16:creationId xmlns:a16="http://schemas.microsoft.com/office/drawing/2014/main" xmlns="" id="{78D16D1A-2DB8-4006-B98A-2F207552FE9D}"/>
               </a:ext>
             </a:extLst>
           </p:cNvPr>
@@ -17078,7 +17225,7 @@
           <p:cNvPr id="7" name="Picture 6">
             <a:extLst>
               <a:ext uri="{FF2B5EF4-FFF2-40B4-BE49-F238E27FC236}">
-                <a16:creationId xmlns:a16="http://schemas.microsoft.com/office/drawing/2014/main" id="{D89FC004-388E-48B2-8C2E-2FE7CD605803}"/>
+                <a16:creationId xmlns:a16="http://schemas.microsoft.com/office/drawing/2014/main" xmlns="" id="{D89FC004-388E-48B2-8C2E-2FE7CD605803}"/>
               </a:ext>
             </a:extLst>
           </p:cNvPr>
@@ -17106,7 +17253,7 @@
     </p:spTree>
     <p:extLst>
       <p:ext uri="{BB962C8B-B14F-4D97-AF65-F5344CB8AC3E}">
-        <p14:creationId xmlns:p14="http://schemas.microsoft.com/office/powerpoint/2010/main" val="1016139116"/>
+        <p14:creationId xmlns:p14="http://schemas.microsoft.com/office/powerpoint/2010/main" xmlns="" val="1016139116"/>
       </p:ext>
     </p:extLst>
   </p:cSld>
@@ -17291,15 +17438,31 @@
             <a:endParaRPr lang="en-IN" dirty="0"/>
           </a:p>
           <a:p>
+            <a:r>
+              <a:rPr lang="en-IN" dirty="0"/>
+              <a:t/>
+            </a:r>
             <a:br>
               <a:rPr lang="en-IN" dirty="0"/>
             </a:br>
+            <a:r>
+              <a:rPr lang="en-IN" dirty="0"/>
+              <a:t/>
+            </a:r>
             <a:br>
               <a:rPr lang="en-IN" dirty="0"/>
             </a:br>
+            <a:r>
+              <a:rPr lang="en-IN" dirty="0"/>
+              <a:t/>
+            </a:r>
             <a:br>
               <a:rPr lang="en-IN" dirty="0"/>
             </a:br>
+            <a:r>
+              <a:rPr lang="en-IN" sz="1800" dirty="0"/>
+              <a:t/>
+            </a:r>
             <a:br>
               <a:rPr lang="en-IN" sz="1800" dirty="0"/>
             </a:br>
@@ -17410,7 +17573,7 @@
     </p:spTree>
     <p:extLst>
       <p:ext uri="{BB962C8B-B14F-4D97-AF65-F5344CB8AC3E}">
-        <p14:creationId xmlns:p14="http://schemas.microsoft.com/office/powerpoint/2010/main" val="3649146026"/>
+        <p14:creationId xmlns:p14="http://schemas.microsoft.com/office/powerpoint/2010/main" xmlns="" val="3649146026"/>
       </p:ext>
     </p:extLst>
   </p:cSld>
@@ -17449,7 +17612,7 @@
         </p:nvSpPr>
         <p:spPr>
           <a:xfrm>
-            <a:off x="457200" y="1200150"/>
+            <a:off x="467139" y="1061003"/>
             <a:ext cx="8229600" cy="3860948"/>
           </a:xfrm>
           <a:prstGeom prst="rect">
@@ -17518,17 +17681,22 @@
             </a:r>
           </a:p>
           <a:p>
+            <a:pPr algn="just"/>
             <a:r>
               <a:rPr lang="en-IN" sz="1200" dirty="0"/>
               <a:t>The static variable can be used to refer the common property of all objects (that is not unique for each object) e.g. company name of </a:t>
             </a:r>
             <a:r>
-              <a:rPr lang="en-IN" sz="1200" dirty="0" err="1"/>
-              <a:t>employees,college</a:t>
+              <a:rPr lang="en-IN" sz="1200" dirty="0" err="1" smtClean="0"/>
+              <a:t>employee,,college</a:t>
+            </a:r>
+            <a:r>
+              <a:rPr lang="en-IN" sz="1200" dirty="0" smtClean="0"/>
+              <a:t> </a:t>
             </a:r>
             <a:r>
               <a:rPr lang="en-IN" sz="1200" dirty="0"/>
-              <a:t> name of students etc.</a:t>
+              <a:t>name of students etc.</a:t>
             </a:r>
           </a:p>
           <a:p>
@@ -17578,15 +17746,31 @@
             <a:endParaRPr lang="en-IN" dirty="0"/>
           </a:p>
           <a:p>
+            <a:r>
+              <a:rPr lang="en-IN" dirty="0"/>
+              <a:t/>
+            </a:r>
             <a:br>
               <a:rPr lang="en-IN" dirty="0"/>
             </a:br>
+            <a:r>
+              <a:rPr lang="en-IN" dirty="0"/>
+              <a:t/>
+            </a:r>
             <a:br>
               <a:rPr lang="en-IN" dirty="0"/>
             </a:br>
+            <a:r>
+              <a:rPr lang="en-IN" dirty="0"/>
+              <a:t/>
+            </a:r>
             <a:br>
               <a:rPr lang="en-IN" dirty="0"/>
             </a:br>
+            <a:r>
+              <a:rPr lang="en-IN" sz="1800" dirty="0"/>
+              <a:t/>
+            </a:r>
             <a:br>
               <a:rPr lang="en-IN" sz="1800" dirty="0"/>
             </a:br>
@@ -17697,7 +17881,7 @@
     </p:spTree>
     <p:extLst>
       <p:ext uri="{BB962C8B-B14F-4D97-AF65-F5344CB8AC3E}">
-        <p14:creationId xmlns:p14="http://schemas.microsoft.com/office/powerpoint/2010/main" val="4153260086"/>
+        <p14:creationId xmlns:p14="http://schemas.microsoft.com/office/powerpoint/2010/main" xmlns="" val="4153260086"/>
       </p:ext>
     </p:extLst>
   </p:cSld>
@@ -17736,8 +17920,8 @@
         </p:nvSpPr>
         <p:spPr>
           <a:xfrm>
-            <a:off x="457200" y="1200150"/>
-            <a:ext cx="8229600" cy="3860948"/>
+            <a:off x="457200" y="1093304"/>
+            <a:ext cx="8229600" cy="3967794"/>
           </a:xfrm>
           <a:prstGeom prst="rect">
             <a:avLst/>
@@ -18002,15 +18186,31 @@
             <a:endParaRPr lang="en-IN" dirty="0"/>
           </a:p>
           <a:p>
+            <a:r>
+              <a:rPr lang="en-IN" dirty="0"/>
+              <a:t/>
+            </a:r>
             <a:br>
               <a:rPr lang="en-IN" dirty="0"/>
             </a:br>
+            <a:r>
+              <a:rPr lang="en-IN" dirty="0"/>
+              <a:t/>
+            </a:r>
             <a:br>
               <a:rPr lang="en-IN" dirty="0"/>
             </a:br>
+            <a:r>
+              <a:rPr lang="en-IN" dirty="0"/>
+              <a:t/>
+            </a:r>
             <a:br>
               <a:rPr lang="en-IN" dirty="0"/>
             </a:br>
+            <a:r>
+              <a:rPr lang="en-IN" sz="1800" dirty="0"/>
+              <a:t/>
+            </a:r>
             <a:br>
               <a:rPr lang="en-IN" sz="1800" dirty="0"/>
             </a:br>
@@ -18121,7 +18321,7 @@
     </p:spTree>
     <p:extLst>
       <p:ext uri="{BB962C8B-B14F-4D97-AF65-F5344CB8AC3E}">
-        <p14:creationId xmlns:p14="http://schemas.microsoft.com/office/powerpoint/2010/main" val="2510156493"/>
+        <p14:creationId xmlns:p14="http://schemas.microsoft.com/office/powerpoint/2010/main" xmlns="" val="2510156493"/>
       </p:ext>
     </p:extLst>
   </p:cSld>
@@ -18185,15 +18385,31 @@
             <a:endParaRPr lang="en-IN" dirty="0"/>
           </a:p>
           <a:p>
+            <a:r>
+              <a:rPr lang="en-IN" dirty="0"/>
+              <a:t/>
+            </a:r>
             <a:br>
               <a:rPr lang="en-IN" dirty="0"/>
             </a:br>
+            <a:r>
+              <a:rPr lang="en-IN" dirty="0"/>
+              <a:t/>
+            </a:r>
             <a:br>
               <a:rPr lang="en-IN" dirty="0"/>
             </a:br>
+            <a:r>
+              <a:rPr lang="en-IN" dirty="0"/>
+              <a:t/>
+            </a:r>
             <a:br>
               <a:rPr lang="en-IN" dirty="0"/>
             </a:br>
+            <a:r>
+              <a:rPr lang="en-IN" sz="1800" dirty="0"/>
+              <a:t/>
+            </a:r>
             <a:br>
               <a:rPr lang="en-IN" sz="1800" dirty="0"/>
             </a:br>
@@ -18306,7 +18522,7 @@
           <p:cNvPr id="3" name="Picture 2">
             <a:extLst>
               <a:ext uri="{FF2B5EF4-FFF2-40B4-BE49-F238E27FC236}">
-                <a16:creationId xmlns:a16="http://schemas.microsoft.com/office/drawing/2014/main" id="{37E093DE-4601-4C87-BF75-62C18CC7F00A}"/>
+                <a16:creationId xmlns:a16="http://schemas.microsoft.com/office/drawing/2014/main" xmlns="" id="{37E093DE-4601-4C87-BF75-62C18CC7F00A}"/>
               </a:ext>
             </a:extLst>
           </p:cNvPr>
@@ -18334,7 +18550,7 @@
     </p:spTree>
     <p:extLst>
       <p:ext uri="{BB962C8B-B14F-4D97-AF65-F5344CB8AC3E}">
-        <p14:creationId xmlns:p14="http://schemas.microsoft.com/office/powerpoint/2010/main" val="549496183"/>
+        <p14:creationId xmlns:p14="http://schemas.microsoft.com/office/powerpoint/2010/main" xmlns="" val="549496183"/>
       </p:ext>
     </p:extLst>
   </p:cSld>
@@ -18374,7 +18590,7 @@
         <p:spPr>
           <a:xfrm>
             <a:off x="457200" y="1200150"/>
-            <a:ext cx="8229600" cy="3860948"/>
+            <a:ext cx="8229600" cy="3501059"/>
           </a:xfrm>
           <a:prstGeom prst="rect">
             <a:avLst/>
@@ -18420,17 +18636,29 @@
           </a:p>
           <a:p>
             <a:r>
+              <a:rPr lang="en-IN" sz="1000" dirty="0" smtClean="0"/>
+              <a:t>A static </a:t>
+            </a:r>
+            <a:r>
               <a:rPr lang="en-IN" sz="1000" dirty="0"/>
-              <a:t>static method can access static data member and can change the value of it.</a:t>
+              <a:t>method can access static data member and can change the value of it.</a:t>
             </a:r>
           </a:p>
           <a:p>
             <a:endParaRPr lang="en-IN" sz="1000" dirty="0"/>
           </a:p>
           <a:p>
+            <a:r>
+              <a:rPr lang="en-IN" dirty="0"/>
+              <a:t/>
+            </a:r>
             <a:br>
               <a:rPr lang="en-IN" dirty="0"/>
             </a:br>
+            <a:r>
+              <a:rPr lang="en-IN" dirty="0"/>
+              <a:t/>
+            </a:r>
             <a:br>
               <a:rPr lang="en-IN" dirty="0"/>
             </a:br>
@@ -18446,9 +18674,17 @@
             </a:r>
           </a:p>
           <a:p>
+            <a:r>
+              <a:rPr lang="en-IN" sz="1600" dirty="0"/>
+              <a:t/>
+            </a:r>
             <a:br>
               <a:rPr lang="en-IN" sz="1600" dirty="0"/>
             </a:br>
+            <a:r>
+              <a:rPr lang="en-IN" sz="1600" dirty="0"/>
+              <a:t/>
+            </a:r>
             <a:br>
               <a:rPr lang="en-IN" sz="1600" dirty="0"/>
             </a:br>
@@ -18561,7 +18797,7 @@
           <p:cNvPr id="2" name="Table 1">
             <a:extLst>
               <a:ext uri="{FF2B5EF4-FFF2-40B4-BE49-F238E27FC236}">
-                <a16:creationId xmlns:a16="http://schemas.microsoft.com/office/drawing/2014/main" id="{17326CF1-6A17-4836-BED7-A8B2D7E8531C}"/>
+                <a16:creationId xmlns:a16="http://schemas.microsoft.com/office/drawing/2014/main" xmlns="" id="{17326CF1-6A17-4836-BED7-A8B2D7E8531C}"/>
               </a:ext>
             </a:extLst>
           </p:cNvPr>
@@ -18571,7 +18807,7 @@
           <p:nvPr/>
         </p:nvGraphicFramePr>
         <p:xfrm>
-          <a:off x="457200" y="2910681"/>
+          <a:off x="467139" y="3020011"/>
           <a:ext cx="8229600" cy="304800"/>
         </p:xfrm>
         <a:graphic>
@@ -18582,7 +18818,7 @@
                 <a:gridCol w="8229600">
                   <a:extLst>
                     <a:ext uri="{9D8B030D-6E8A-4147-A177-3AD203B41FA5}">
-                      <a16:colId xmlns:a16="http://schemas.microsoft.com/office/drawing/2014/main" val="2176116501"/>
+                      <a16:colId xmlns:a16="http://schemas.microsoft.com/office/drawing/2014/main" xmlns="" val="2176116501"/>
                     </a:ext>
                   </a:extLst>
                 </a:gridCol>
@@ -18626,7 +18862,7 @@
                 </a:tc>
                 <a:extLst>
                   <a:ext uri="{0D108BD9-81ED-4DB2-BD59-A6C34878D82A}">
-                    <a16:rowId xmlns:a16="http://schemas.microsoft.com/office/drawing/2014/main" val="2652750284"/>
+                    <a16:rowId xmlns:a16="http://schemas.microsoft.com/office/drawing/2014/main" xmlns="" val="2652750284"/>
                   </a:ext>
                 </a:extLst>
               </a:tr>
@@ -18639,7 +18875,7 @@
           <p:cNvPr id="4" name="Table 3">
             <a:extLst>
               <a:ext uri="{FF2B5EF4-FFF2-40B4-BE49-F238E27FC236}">
-                <a16:creationId xmlns:a16="http://schemas.microsoft.com/office/drawing/2014/main" id="{33A7106F-6823-4369-8C7B-CE28F9F66E5A}"/>
+                <a16:creationId xmlns:a16="http://schemas.microsoft.com/office/drawing/2014/main" xmlns="" id="{33A7106F-6823-4369-8C7B-CE28F9F66E5A}"/>
               </a:ext>
             </a:extLst>
           </p:cNvPr>
@@ -18649,7 +18885,7 @@
           <p:nvPr>
             <p:extLst>
               <p:ext uri="{D42A27DB-BD31-4B8C-83A1-F6EECF244321}">
-                <p14:modId xmlns:p14="http://schemas.microsoft.com/office/powerpoint/2010/main" val="249234448"/>
+                <p14:modId xmlns:p14="http://schemas.microsoft.com/office/powerpoint/2010/main" xmlns="" val="249234448"/>
               </p:ext>
             </p:extLst>
           </p:nvPr>
@@ -18666,7 +18902,7 @@
                 <a:gridCol w="8229600">
                   <a:extLst>
                     <a:ext uri="{9D8B030D-6E8A-4147-A177-3AD203B41FA5}">
-                      <a16:colId xmlns:a16="http://schemas.microsoft.com/office/drawing/2014/main" val="2394284470"/>
+                      <a16:colId xmlns:a16="http://schemas.microsoft.com/office/drawing/2014/main" xmlns="" val="2394284470"/>
                     </a:ext>
                   </a:extLst>
                 </a:gridCol>
@@ -18710,7 +18946,7 @@
                 </a:tc>
                 <a:extLst>
                   <a:ext uri="{0D108BD9-81ED-4DB2-BD59-A6C34878D82A}">
-                    <a16:rowId xmlns:a16="http://schemas.microsoft.com/office/drawing/2014/main" val="703047016"/>
+                    <a16:rowId xmlns:a16="http://schemas.microsoft.com/office/drawing/2014/main" xmlns="" val="703047016"/>
                   </a:ext>
                 </a:extLst>
               </a:tr>
@@ -18723,7 +18959,7 @@
           <p:cNvPr id="5" name="Rectangle 1">
             <a:extLst>
               <a:ext uri="{FF2B5EF4-FFF2-40B4-BE49-F238E27FC236}">
-                <a16:creationId xmlns:a16="http://schemas.microsoft.com/office/drawing/2014/main" id="{2F9308E9-1A64-4DF5-8EA2-CD2D4F37A481}"/>
+                <a16:creationId xmlns:a16="http://schemas.microsoft.com/office/drawing/2014/main" xmlns="" id="{2F9308E9-1A64-4DF5-8EA2-CD2D4F37A481}"/>
               </a:ext>
             </a:extLst>
           </p:cNvPr>
@@ -18734,7 +18970,7 @@
         </p:nvSpPr>
         <p:spPr bwMode="auto">
           <a:xfrm>
-            <a:off x="457200" y="2544921"/>
+            <a:off x="566530" y="2584678"/>
             <a:ext cx="9144000" cy="457200"/>
           </a:xfrm>
           <a:prstGeom prst="rect">
@@ -18749,7 +18985,7 @@
           <a:effectLst/>
           <a:extLst>
             <a:ext uri="{91240B29-F687-4F45-9708-019B960494DF}">
-              <a14:hiddenLine xmlns:a14="http://schemas.microsoft.com/office/drawing/2010/main" w="9525">
+              <a14:hiddenLine xmlns:a14="http://schemas.microsoft.com/office/drawing/2010/main" xmlns="" w="9525">
                 <a:solidFill>
                   <a:schemeClr val="tx1"/>
                 </a:solidFill>
@@ -18759,7 +18995,7 @@
               </a14:hiddenLine>
             </a:ext>
             <a:ext uri="{AF507438-7753-43E0-B8FC-AC1667EBCBE1}">
-              <a14:hiddenEffects xmlns:a14="http://schemas.microsoft.com/office/drawing/2010/main">
+              <a14:hiddenEffects xmlns:a14="http://schemas.microsoft.com/office/drawing/2010/main" xmlns="">
                 <a:effectLst>
                   <a:outerShdw dist="35921" dir="2700000" algn="ctr" rotWithShape="0">
                     <a:schemeClr val="bg2"/>
@@ -18841,7 +19077,7 @@
     </p:spTree>
     <p:extLst>
       <p:ext uri="{BB962C8B-B14F-4D97-AF65-F5344CB8AC3E}">
-        <p14:creationId xmlns:p14="http://schemas.microsoft.com/office/powerpoint/2010/main" val="2034435064"/>
+        <p14:creationId xmlns:p14="http://schemas.microsoft.com/office/powerpoint/2010/main" xmlns="" val="2034435064"/>
       </p:ext>
     </p:extLst>
   </p:cSld>
@@ -18893,6 +19129,7 @@
           </a:bodyPr>
           <a:lstStyle/>
           <a:p>
+            <a:pPr algn="just"/>
             <a:r>
               <a:rPr lang="en-IN" sz="1200" dirty="0"/>
               <a:t> </a:t>
@@ -18903,33 +19140,41 @@
             </a:r>
           </a:p>
           <a:p>
+            <a:pPr algn="just"/>
             <a:r>
               <a:rPr lang="en-IN" dirty="0"/>
               <a:t>It is executed before main method at the time of </a:t>
             </a:r>
             <a:r>
-              <a:rPr lang="en-IN" dirty="0" err="1"/>
-              <a:t>classloading</a:t>
-            </a:r>
+              <a:rPr lang="en-IN" dirty="0" smtClean="0"/>
+              <a:t>class loading.</a:t>
+            </a:r>
+            <a:endParaRPr lang="en-IN" dirty="0"/>
+          </a:p>
+          <a:p>
+            <a:pPr algn="just"/>
+            <a:endParaRPr lang="en-IN" sz="1200" dirty="0"/>
+          </a:p>
+          <a:p>
+            <a:pPr algn="just"/>
             <a:r>
               <a:rPr lang="en-IN" dirty="0"/>
-              <a:t>.</a:t>
-            </a:r>
-          </a:p>
-          <a:p>
-            <a:endParaRPr lang="en-IN" sz="1200" dirty="0"/>
-          </a:p>
-          <a:p>
+              <a:t/>
+            </a:r>
             <a:br>
               <a:rPr lang="en-IN" dirty="0"/>
             </a:br>
+            <a:r>
+              <a:rPr lang="en-IN" sz="1600" dirty="0"/>
+              <a:t/>
+            </a:r>
             <a:br>
               <a:rPr lang="en-IN" sz="1600" dirty="0"/>
             </a:br>
             <a:endParaRPr lang="en-IN" sz="1600" dirty="0"/>
           </a:p>
           <a:p>
-            <a:pPr lvl="0" rtl="0">
+            <a:pPr lvl="0" algn="just" rtl="0">
               <a:spcBef>
                 <a:spcPts val="0"/>
               </a:spcBef>
@@ -18938,7 +19183,7 @@
             <a:endParaRPr sz="1600" dirty="0"/>
           </a:p>
           <a:p>
-            <a:pPr lvl="0" rtl="0">
+            <a:pPr lvl="0" algn="just" rtl="0">
               <a:spcBef>
                 <a:spcPts val="0"/>
               </a:spcBef>
@@ -18947,7 +19192,7 @@
             <a:endParaRPr dirty="0"/>
           </a:p>
           <a:p>
-            <a:pPr lvl="0" rtl="0">
+            <a:pPr lvl="0" algn="just" rtl="0">
               <a:spcBef>
                 <a:spcPts val="0"/>
               </a:spcBef>
@@ -18956,7 +19201,7 @@
             <a:endParaRPr sz="1200" dirty="0"/>
           </a:p>
           <a:p>
-            <a:pPr lvl="0" rtl="0">
+            <a:pPr lvl="0" algn="just" rtl="0">
               <a:spcBef>
                 <a:spcPts val="0"/>
               </a:spcBef>
@@ -18972,7 +19217,7 @@
             </a:r>
           </a:p>
           <a:p>
-            <a:pPr lvl="0" rtl="0">
+            <a:pPr lvl="0" algn="just" rtl="0">
               <a:spcBef>
                 <a:spcPts val="0"/>
               </a:spcBef>
@@ -18981,7 +19226,7 @@
             <a:endParaRPr sz="1800" dirty="0"/>
           </a:p>
           <a:p>
-            <a:pPr lvl="0" rtl="0">
+            <a:pPr lvl="0" algn="just" rtl="0">
               <a:spcBef>
                 <a:spcPts val="0"/>
               </a:spcBef>
@@ -19033,7 +19278,7 @@
     </p:spTree>
     <p:extLst>
       <p:ext uri="{BB962C8B-B14F-4D97-AF65-F5344CB8AC3E}">
-        <p14:creationId xmlns:p14="http://schemas.microsoft.com/office/powerpoint/2010/main" val="3854352935"/>
+        <p14:creationId xmlns:p14="http://schemas.microsoft.com/office/powerpoint/2010/main" xmlns="" val="3854352935"/>
       </p:ext>
     </p:extLst>
   </p:cSld>
@@ -19072,7 +19317,7 @@
         </p:nvSpPr>
         <p:spPr>
           <a:xfrm>
-            <a:off x="457200" y="1200150"/>
+            <a:off x="477078" y="1080880"/>
             <a:ext cx="8229600" cy="3860948"/>
           </a:xfrm>
           <a:prstGeom prst="rect">
@@ -19085,46 +19330,64 @@
           </a:bodyPr>
           <a:lstStyle/>
           <a:p>
+            <a:pPr algn="just"/>
             <a:r>
               <a:rPr lang="en-IN" sz="1200" dirty="0"/>
               <a:t>Automatic garbage collection is the process of looking at heap memory, identifying which objects are in use and which are not, and deleting the unused objects. An in use object, or a referenced object, means that some part of your program still maintains a pointer to that object. An unused object, or unreferenced object, is no longer referenced by any part of your program. So the memory used by an unreferenced object can be reclaimed.</a:t>
             </a:r>
           </a:p>
           <a:p>
+            <a:pPr algn="just"/>
             <a:r>
               <a:rPr lang="en-IN" sz="1200" dirty="0"/>
               <a:t>In a programming language like C, allocating and deallocating memory is a manual process. In Java, process of deallocating memory is handled automatically by the garbage collector. The basic process can be described as follows.</a:t>
             </a:r>
           </a:p>
           <a:p>
+            <a:pPr algn="just"/>
             <a:endParaRPr lang="en-IN" sz="1200" dirty="0"/>
           </a:p>
           <a:p>
+            <a:pPr algn="just"/>
             <a:r>
               <a:rPr lang="en-IN" sz="1200" b="1" dirty="0"/>
               <a:t>Step 1: Marking</a:t>
             </a:r>
           </a:p>
           <a:p>
+            <a:pPr algn="just"/>
             <a:r>
               <a:rPr lang="en-IN" sz="1200" dirty="0"/>
               <a:t>The first step in the process is called marking. This is where the garbage collector identifies which pieces of memory are in use and which are not.</a:t>
             </a:r>
           </a:p>
           <a:p>
+            <a:pPr algn="just"/>
+            <a:r>
+              <a:rPr lang="en-IN" dirty="0"/>
+              <a:t/>
+            </a:r>
             <a:br>
               <a:rPr lang="en-IN" dirty="0"/>
             </a:br>
+            <a:r>
+              <a:rPr lang="en-IN" dirty="0"/>
+              <a:t/>
+            </a:r>
             <a:br>
               <a:rPr lang="en-IN" dirty="0"/>
             </a:br>
+            <a:r>
+              <a:rPr lang="en-IN" sz="1600" dirty="0"/>
+              <a:t/>
+            </a:r>
             <a:br>
               <a:rPr lang="en-IN" sz="1600" dirty="0"/>
             </a:br>
             <a:endParaRPr lang="en-IN" sz="1600" dirty="0"/>
           </a:p>
           <a:p>
-            <a:pPr lvl="0" rtl="0">
+            <a:pPr lvl="0" algn="just" rtl="0">
               <a:spcBef>
                 <a:spcPts val="0"/>
               </a:spcBef>
@@ -19133,7 +19396,7 @@
             <a:endParaRPr sz="1600" dirty="0"/>
           </a:p>
           <a:p>
-            <a:pPr lvl="0" rtl="0">
+            <a:pPr lvl="0" algn="just" rtl="0">
               <a:spcBef>
                 <a:spcPts val="0"/>
               </a:spcBef>
@@ -19142,7 +19405,7 @@
             <a:endParaRPr dirty="0"/>
           </a:p>
           <a:p>
-            <a:pPr lvl="0" rtl="0">
+            <a:pPr lvl="0" algn="just" rtl="0">
               <a:spcBef>
                 <a:spcPts val="0"/>
               </a:spcBef>
@@ -19151,7 +19414,7 @@
             <a:endParaRPr sz="1200" dirty="0"/>
           </a:p>
           <a:p>
-            <a:pPr lvl="0" rtl="0">
+            <a:pPr lvl="0" algn="just" rtl="0">
               <a:spcBef>
                 <a:spcPts val="0"/>
               </a:spcBef>
@@ -19167,7 +19430,7 @@
             </a:r>
           </a:p>
           <a:p>
-            <a:pPr lvl="0" rtl="0">
+            <a:pPr lvl="0" algn="just" rtl="0">
               <a:spcBef>
                 <a:spcPts val="0"/>
               </a:spcBef>
@@ -19176,7 +19439,7 @@
             <a:endParaRPr sz="1800" dirty="0"/>
           </a:p>
           <a:p>
-            <a:pPr lvl="0" rtl="0">
+            <a:pPr lvl="0" algn="just" rtl="0">
               <a:spcBef>
                 <a:spcPts val="0"/>
               </a:spcBef>
@@ -19230,7 +19493,7 @@
           <p:cNvPr id="3" name="Picture 2">
             <a:extLst>
               <a:ext uri="{FF2B5EF4-FFF2-40B4-BE49-F238E27FC236}">
-                <a16:creationId xmlns:a16="http://schemas.microsoft.com/office/drawing/2014/main" id="{E90F0253-A169-4B1B-9B7D-5D1053E54C4C}"/>
+                <a16:creationId xmlns:a16="http://schemas.microsoft.com/office/drawing/2014/main" xmlns="" id="{E90F0253-A169-4B1B-9B7D-5D1053E54C4C}"/>
               </a:ext>
             </a:extLst>
           </p:cNvPr>
@@ -19258,7 +19521,7 @@
     </p:spTree>
     <p:extLst>
       <p:ext uri="{BB962C8B-B14F-4D97-AF65-F5344CB8AC3E}">
-        <p14:creationId xmlns:p14="http://schemas.microsoft.com/office/powerpoint/2010/main" val="766803793"/>
+        <p14:creationId xmlns:p14="http://schemas.microsoft.com/office/powerpoint/2010/main" xmlns="" val="766803793"/>
       </p:ext>
     </p:extLst>
   </p:cSld>
@@ -19297,7 +19560,7 @@
         </p:nvSpPr>
         <p:spPr>
           <a:xfrm>
-            <a:off x="457200" y="1200150"/>
+            <a:off x="467139" y="1080881"/>
             <a:ext cx="8229600" cy="3860948"/>
           </a:xfrm>
           <a:prstGeom prst="rect">
@@ -19310,43 +19573,60 @@
           </a:bodyPr>
           <a:lstStyle/>
           <a:p>
+            <a:pPr algn="just"/>
             <a:r>
               <a:rPr lang="en-IN" sz="1200" dirty="0"/>
               <a:t>Automatic garbage collection is the process of looking at heap memory, identifying which objects are in use and which are not, and deleting the unused objects. An in use object, or a referenced object, means that some part of your program still maintains a pointer to that object. An unused object, or unreferenced object, is no longer referenced by any part of your program. So the memory used by an unreferenced object can be reclaimed.</a:t>
             </a:r>
           </a:p>
           <a:p>
+            <a:pPr algn="just"/>
             <a:r>
               <a:rPr lang="en-IN" sz="1200" dirty="0"/>
               <a:t>In a programming language like C, allocating and deallocating memory is a manual process. In Java, process of deallocating memory is handled automatically by the garbage collector. The basic process can be described as follows.</a:t>
             </a:r>
           </a:p>
           <a:p>
+            <a:pPr algn="just"/>
             <a:r>
               <a:rPr lang="en-IN" sz="1200" b="1" dirty="0"/>
               <a:t>Step 1: Marking</a:t>
             </a:r>
           </a:p>
           <a:p>
+            <a:pPr algn="just"/>
             <a:r>
               <a:rPr lang="en-IN" sz="1200" dirty="0"/>
               <a:t>The first step in the process is called marking. This is where the garbage collector identifies which pieces of memory are in use and which are not.</a:t>
             </a:r>
           </a:p>
           <a:p>
+            <a:pPr algn="just"/>
+            <a:r>
+              <a:rPr lang="en-IN" dirty="0"/>
+              <a:t/>
+            </a:r>
             <a:br>
               <a:rPr lang="en-IN" dirty="0"/>
             </a:br>
+            <a:r>
+              <a:rPr lang="en-IN" dirty="0"/>
+              <a:t/>
+            </a:r>
             <a:br>
               <a:rPr lang="en-IN" dirty="0"/>
             </a:br>
+            <a:r>
+              <a:rPr lang="en-IN" sz="1600" dirty="0"/>
+              <a:t/>
+            </a:r>
             <a:br>
               <a:rPr lang="en-IN" sz="1600" dirty="0"/>
             </a:br>
             <a:endParaRPr lang="en-IN" sz="1600" dirty="0"/>
           </a:p>
           <a:p>
-            <a:pPr lvl="0" rtl="0">
+            <a:pPr lvl="0" algn="just" rtl="0">
               <a:spcBef>
                 <a:spcPts val="0"/>
               </a:spcBef>
@@ -19355,7 +19635,7 @@
             <a:endParaRPr sz="1600" dirty="0"/>
           </a:p>
           <a:p>
-            <a:pPr lvl="0" rtl="0">
+            <a:pPr lvl="0" algn="just" rtl="0">
               <a:spcBef>
                 <a:spcPts val="0"/>
               </a:spcBef>
@@ -19364,7 +19644,7 @@
             <a:endParaRPr dirty="0"/>
           </a:p>
           <a:p>
-            <a:pPr lvl="0" rtl="0">
+            <a:pPr lvl="0" algn="just" rtl="0">
               <a:spcBef>
                 <a:spcPts val="0"/>
               </a:spcBef>
@@ -19373,7 +19653,7 @@
             <a:endParaRPr sz="1200" dirty="0"/>
           </a:p>
           <a:p>
-            <a:pPr lvl="0" rtl="0">
+            <a:pPr lvl="0" algn="just" rtl="0">
               <a:spcBef>
                 <a:spcPts val="0"/>
               </a:spcBef>
@@ -19389,7 +19669,7 @@
             </a:r>
           </a:p>
           <a:p>
-            <a:pPr lvl="0" rtl="0">
+            <a:pPr lvl="0" algn="just" rtl="0">
               <a:spcBef>
                 <a:spcPts val="0"/>
               </a:spcBef>
@@ -19398,7 +19678,7 @@
             <a:endParaRPr sz="1800" dirty="0"/>
           </a:p>
           <a:p>
-            <a:pPr lvl="0" rtl="0">
+            <a:pPr lvl="0" algn="just" rtl="0">
               <a:spcBef>
                 <a:spcPts val="0"/>
               </a:spcBef>
@@ -19452,7 +19732,7 @@
           <p:cNvPr id="3" name="Picture 2">
             <a:extLst>
               <a:ext uri="{FF2B5EF4-FFF2-40B4-BE49-F238E27FC236}">
-                <a16:creationId xmlns:a16="http://schemas.microsoft.com/office/drawing/2014/main" id="{E90F0253-A169-4B1B-9B7D-5D1053E54C4C}"/>
+                <a16:creationId xmlns:a16="http://schemas.microsoft.com/office/drawing/2014/main" xmlns="" id="{E90F0253-A169-4B1B-9B7D-5D1053E54C4C}"/>
               </a:ext>
             </a:extLst>
           </p:cNvPr>
@@ -19480,7 +19760,7 @@
     </p:spTree>
     <p:extLst>
       <p:ext uri="{BB962C8B-B14F-4D97-AF65-F5344CB8AC3E}">
-        <p14:creationId xmlns:p14="http://schemas.microsoft.com/office/powerpoint/2010/main" val="1808334893"/>
+        <p14:creationId xmlns:p14="http://schemas.microsoft.com/office/powerpoint/2010/main" xmlns="" val="1808334893"/>
       </p:ext>
     </p:extLst>
   </p:cSld>
@@ -19557,7 +19837,7 @@
         </p:nvSpPr>
         <p:spPr>
           <a:xfrm>
-            <a:off x="457200" y="1200150"/>
+            <a:off x="467139" y="1120637"/>
             <a:ext cx="8229600" cy="3725699"/>
           </a:xfrm>
           <a:prstGeom prst="rect">
@@ -19570,7 +19850,7 @@
           </a:bodyPr>
           <a:lstStyle/>
           <a:p>
-            <a:pPr lvl="0" rtl="0">
+            <a:pPr lvl="0" algn="just" rtl="0">
               <a:spcBef>
                 <a:spcPts val="0"/>
               </a:spcBef>
@@ -19582,7 +19862,7 @@
             </a:r>
           </a:p>
           <a:p>
-            <a:pPr marL="457200" marR="0" lvl="0" indent="-342900" algn="l" rtl="0">
+            <a:pPr marL="457200" marR="0" lvl="0" indent="-342900" algn="just" rtl="0">
               <a:lnSpc>
                 <a:spcPct val="100000"/>
               </a:lnSpc>
@@ -19602,7 +19882,7 @@
             </a:r>
           </a:p>
           <a:p>
-            <a:pPr marL="457200" marR="0" lvl="0" indent="-342900" algn="l" rtl="0">
+            <a:pPr marL="457200" marR="0" lvl="0" indent="-342900" algn="just" rtl="0">
               <a:lnSpc>
                 <a:spcPct val="100000"/>
               </a:lnSpc>
@@ -19621,7 +19901,7 @@
             </a:r>
           </a:p>
           <a:p>
-            <a:pPr marL="457200" marR="0" lvl="0" indent="-342900" algn="l" rtl="0">
+            <a:pPr marL="457200" marR="0" lvl="0" indent="-342900" algn="just" rtl="0">
               <a:lnSpc>
                 <a:spcPct val="100000"/>
               </a:lnSpc>
@@ -19640,7 +19920,7 @@
             </a:r>
           </a:p>
           <a:p>
-            <a:pPr marL="457200" marR="0" lvl="0" indent="-342900" algn="l" rtl="0">
+            <a:pPr marL="457200" marR="0" lvl="0" indent="-342900" algn="just" rtl="0">
               <a:lnSpc>
                 <a:spcPct val="100000"/>
               </a:lnSpc>
@@ -19659,7 +19939,7 @@
             </a:r>
           </a:p>
           <a:p>
-            <a:pPr marL="457200" marR="0" lvl="0" indent="-342900" algn="l" rtl="0">
+            <a:pPr marL="457200" marR="0" lvl="0" indent="-342900" algn="just" rtl="0">
               <a:lnSpc>
                 <a:spcPct val="100000"/>
               </a:lnSpc>
@@ -19678,7 +19958,7 @@
             </a:r>
           </a:p>
           <a:p>
-            <a:pPr marL="457200" marR="0" lvl="0" indent="-342900" algn="l" rtl="0">
+            <a:pPr marL="457200" marR="0" lvl="0" indent="-342900" algn="just" rtl="0">
               <a:lnSpc>
                 <a:spcPct val="100000"/>
               </a:lnSpc>
@@ -19697,7 +19977,7 @@
             </a:r>
           </a:p>
           <a:p>
-            <a:pPr marL="457200" marR="0" lvl="0" indent="-342900" algn="l" rtl="0">
+            <a:pPr marL="457200" marR="0" lvl="0" indent="-342900" algn="just" rtl="0">
               <a:lnSpc>
                 <a:spcPct val="100000"/>
               </a:lnSpc>
@@ -19716,7 +19996,7 @@
             </a:r>
           </a:p>
           <a:p>
-            <a:pPr marL="457200" marR="0" lvl="0" indent="-342900" algn="l" rtl="0">
+            <a:pPr marL="457200" marR="0" lvl="0" indent="-342900" algn="just" rtl="0">
               <a:lnSpc>
                 <a:spcPct val="100000"/>
               </a:lnSpc>
@@ -19735,7 +20015,7 @@
             </a:r>
           </a:p>
           <a:p>
-            <a:pPr marL="457200" marR="0" lvl="0" indent="-342900" algn="l" rtl="0">
+            <a:pPr marL="457200" marR="0" lvl="0" indent="-342900" algn="just" rtl="0">
               <a:lnSpc>
                 <a:spcPct val="100000"/>
               </a:lnSpc>
@@ -19754,7 +20034,7 @@
             </a:r>
           </a:p>
           <a:p>
-            <a:pPr marL="457200" marR="0" lvl="0" indent="-342900" algn="l" rtl="0">
+            <a:pPr marL="457200" marR="0" lvl="0" indent="-342900" algn="just" rtl="0">
               <a:lnSpc>
                 <a:spcPct val="100000"/>
               </a:lnSpc>
@@ -19773,7 +20053,7 @@
             </a:r>
           </a:p>
           <a:p>
-            <a:pPr lvl="0" rtl="0">
+            <a:pPr lvl="0" algn="just" rtl="0">
               <a:spcBef>
                 <a:spcPts val="0"/>
               </a:spcBef>
@@ -19782,7 +20062,7 @@
             <a:endParaRPr sz="2400" dirty="0"/>
           </a:p>
           <a:p>
-            <a:pPr lvl="0" rtl="0">
+            <a:pPr lvl="0" algn="just" rtl="0">
               <a:spcBef>
                 <a:spcPts val="0"/>
               </a:spcBef>
@@ -19860,12 +20140,24 @@
             </a:r>
           </a:p>
           <a:p>
+            <a:r>
+              <a:rPr lang="en-IN" dirty="0"/>
+              <a:t/>
+            </a:r>
             <a:br>
               <a:rPr lang="en-IN" dirty="0"/>
             </a:br>
+            <a:r>
+              <a:rPr lang="en-IN" dirty="0"/>
+              <a:t/>
+            </a:r>
             <a:br>
               <a:rPr lang="en-IN" dirty="0"/>
             </a:br>
+            <a:r>
+              <a:rPr lang="en-IN" sz="1600" dirty="0"/>
+              <a:t/>
+            </a:r>
             <a:br>
               <a:rPr lang="en-IN" sz="1600" dirty="0"/>
             </a:br>
@@ -19978,7 +20270,7 @@
           <p:cNvPr id="4" name="Picture 3">
             <a:extLst>
               <a:ext uri="{FF2B5EF4-FFF2-40B4-BE49-F238E27FC236}">
-                <a16:creationId xmlns:a16="http://schemas.microsoft.com/office/drawing/2014/main" id="{89ED043F-8AE3-428A-99EE-9221F26C8B36}"/>
+                <a16:creationId xmlns:a16="http://schemas.microsoft.com/office/drawing/2014/main" xmlns="" id="{89ED043F-8AE3-428A-99EE-9221F26C8B36}"/>
               </a:ext>
             </a:extLst>
           </p:cNvPr>
@@ -20006,7 +20298,7 @@
     </p:spTree>
     <p:extLst>
       <p:ext uri="{BB962C8B-B14F-4D97-AF65-F5344CB8AC3E}">
-        <p14:creationId xmlns:p14="http://schemas.microsoft.com/office/powerpoint/2010/main" val="923279800"/>
+        <p14:creationId xmlns:p14="http://schemas.microsoft.com/office/powerpoint/2010/main" xmlns="" val="923279800"/>
       </p:ext>
     </p:extLst>
   </p:cSld>
@@ -20161,6 +20453,7 @@
             <a:endParaRPr lang="en-IN" sz="1400" dirty="0"/>
           </a:p>
           <a:p>
+            <a:pPr algn="just"/>
             <a:r>
               <a:rPr lang="en-IN" sz="1400" dirty="0"/>
               <a:t>Each time you create a string literal, the JVM checks the </a:t>
@@ -20303,7 +20596,7 @@
           </a:bodyPr>
           <a:lstStyle/>
           <a:p>
-            <a:pPr lvl="0"/>
+            <a:pPr lvl="0" algn="just"/>
             <a:r>
               <a:rPr lang="en-IN" sz="1200" b="1" dirty="0"/>
               <a:t>Java String</a:t>
@@ -20334,11 +20627,11 @@
             </a:r>
           </a:p>
           <a:p>
-            <a:pPr lvl="0"/>
+            <a:pPr lvl="0" algn="just"/>
             <a:endParaRPr lang="en-IN" sz="1200" dirty="0"/>
           </a:p>
           <a:p>
-            <a:pPr lvl="0"/>
+            <a:pPr lvl="0" algn="just"/>
             <a:r>
               <a:rPr lang="en-IN" sz="1200" b="1" dirty="0"/>
               <a:t>The </a:t>
@@ -20361,9 +20654,11 @@
             </a:r>
           </a:p>
           <a:p>
+            <a:pPr algn="just"/>
             <a:endParaRPr lang="en-IN" sz="1200" dirty="0"/>
           </a:p>
           <a:p>
+            <a:pPr algn="just"/>
             <a:r>
               <a:rPr lang="en-IN" sz="1200" dirty="0"/>
               <a:t>char[] </a:t>
@@ -20394,17 +20689,18 @@
             </a:r>
           </a:p>
           <a:p>
+            <a:pPr algn="just"/>
             <a:r>
               <a:rPr lang="en-IN" sz="1200" dirty="0"/>
               <a:t>String s=new String("Welcome");//creates two objects and one reference variable  </a:t>
             </a:r>
           </a:p>
           <a:p>
-            <a:pPr lvl="0"/>
+            <a:pPr lvl="0" algn="just"/>
             <a:endParaRPr lang="en-IN" sz="1200" dirty="0"/>
           </a:p>
           <a:p>
-            <a:pPr lvl="0"/>
+            <a:pPr lvl="0" algn="just"/>
             <a:r>
               <a:rPr lang="en-IN" sz="1200" dirty="0"/>
               <a:t>In such case, JVM will create a new string object in normal(non pool) heap memory and the literal "Welcome" will be placed in the string constant pool. The variable s will refer to the object in heap(non pool).</a:t>
@@ -20418,7 +20714,7 @@
           <p:cNvPr id="5" name="Picture 4">
             <a:extLst>
               <a:ext uri="{FF2B5EF4-FFF2-40B4-BE49-F238E27FC236}">
-                <a16:creationId xmlns:a16="http://schemas.microsoft.com/office/drawing/2014/main" id="{9F87160A-2436-40D7-80DF-9BAA8948B9FB}"/>
+                <a16:creationId xmlns:a16="http://schemas.microsoft.com/office/drawing/2014/main" xmlns="" id="{9F87160A-2436-40D7-80DF-9BAA8948B9FB}"/>
               </a:ext>
             </a:extLst>
           </p:cNvPr>
@@ -20435,8 +20731,8 @@
         </p:blipFill>
         <p:spPr>
           <a:xfrm>
-            <a:off x="4444409" y="3104706"/>
-            <a:ext cx="4518839" cy="2038793"/>
+            <a:off x="3887819" y="3104707"/>
+            <a:ext cx="4321904" cy="1949941"/>
           </a:xfrm>
           <a:prstGeom prst="rect">
             <a:avLst/>
@@ -20446,7 +20742,7 @@
     </p:spTree>
     <p:extLst>
       <p:ext uri="{BB962C8B-B14F-4D97-AF65-F5344CB8AC3E}">
-        <p14:creationId xmlns:p14="http://schemas.microsoft.com/office/powerpoint/2010/main" val="128580551"/>
+        <p14:creationId xmlns:p14="http://schemas.microsoft.com/office/powerpoint/2010/main" xmlns="" val="128580551"/>
       </p:ext>
     </p:extLst>
   </p:cSld>
@@ -20562,10 +20858,9 @@
               <a:buChar char="•"/>
             </a:pPr>
             <a:r>
-              <a:rPr lang="fr-FR" dirty="0" err="1"/>
+              <a:rPr lang="fr-FR" dirty="0"/>
               <a:t>Polymorphism</a:t>
             </a:r>
-            <a:endParaRPr lang="fr-FR" dirty="0"/>
           </a:p>
           <a:p>
             <a:pPr marL="457200" indent="-457200">
@@ -20573,10 +20868,9 @@
               <a:buChar char="•"/>
             </a:pPr>
             <a:r>
-              <a:rPr lang="fr-FR" dirty="0" err="1"/>
+              <a:rPr lang="fr-FR" dirty="0"/>
               <a:t>Inheritance</a:t>
             </a:r>
-            <a:endParaRPr lang="fr-FR" dirty="0"/>
           </a:p>
           <a:p>
             <a:pPr marL="457200" indent="-457200">
@@ -20594,10 +20888,9 @@
               <a:buChar char="•"/>
             </a:pPr>
             <a:r>
-              <a:rPr lang="fr-FR" dirty="0" err="1"/>
+              <a:rPr lang="fr-FR" dirty="0"/>
               <a:t>Aggregation</a:t>
             </a:r>
-            <a:endParaRPr lang="fr-FR" dirty="0"/>
           </a:p>
           <a:p>
             <a:pPr marL="457200" indent="-457200">
@@ -20618,7 +20911,7 @@
     </p:spTree>
     <p:extLst>
       <p:ext uri="{BB962C8B-B14F-4D97-AF65-F5344CB8AC3E}">
-        <p14:creationId xmlns:p14="http://schemas.microsoft.com/office/powerpoint/2010/main" val="3821964804"/>
+        <p14:creationId xmlns:p14="http://schemas.microsoft.com/office/powerpoint/2010/main" xmlns="" val="3821964804"/>
       </p:ext>
     </p:extLst>
   </p:cSld>
@@ -20709,10 +21002,7 @@
           </a:bodyPr>
           <a:lstStyle/>
           <a:p>
-            <a:pPr marL="457200" indent="-457200">
-              <a:buFont typeface="Arial" panose="020B0604020202020204" pitchFamily="34" charset="0"/>
-              <a:buChar char="•"/>
-            </a:pPr>
+            <a:pPr marL="457200" indent="-457200" algn="just"/>
             <a:r>
               <a:rPr lang="fr-FR" sz="1600" b="1" dirty="0"/>
               <a:t>Abstraction</a:t>
@@ -20760,7 +21050,7 @@
     </p:spTree>
     <p:extLst>
       <p:ext uri="{BB962C8B-B14F-4D97-AF65-F5344CB8AC3E}">
-        <p14:creationId xmlns:p14="http://schemas.microsoft.com/office/powerpoint/2010/main" val="1314862583"/>
+        <p14:creationId xmlns:p14="http://schemas.microsoft.com/office/powerpoint/2010/main" xmlns="" val="1314862583"/>
       </p:ext>
     </p:extLst>
   </p:cSld>
@@ -20851,22 +21141,21 @@
           </a:bodyPr>
           <a:lstStyle/>
           <a:p>
-            <a:pPr marL="457200" indent="-457200">
-              <a:buFont typeface="Arial" panose="020B0604020202020204" pitchFamily="34" charset="0"/>
-              <a:buChar char="•"/>
-            </a:pPr>
+            <a:pPr marL="457200" indent="-457200" algn="just"/>
             <a:r>
               <a:rPr lang="en-US" b="1" dirty="0"/>
               <a:t>Polymorphism</a:t>
             </a:r>
           </a:p>
           <a:p>
+            <a:pPr algn="just"/>
             <a:r>
               <a:rPr lang="en-US" sz="1800" dirty="0"/>
               <a:t>Polymorphism is the concept where an object behaves differently in different situations. There are two types of polymorphism – compile time polymorphism and runtime polymorphism.</a:t>
             </a:r>
           </a:p>
           <a:p>
+            <a:pPr algn="just"/>
             <a:r>
               <a:rPr lang="en-US" sz="1800" dirty="0"/>
               <a:t>Compile-time polymorphism is achieved by </a:t>
@@ -20876,7 +21165,7 @@
                 <a:hlinkClick r:id="rId3">
                   <a:extLst>
                     <a:ext uri="{A12FA001-AC4F-418D-AE19-62706E023703}">
-                      <ahyp:hlinkClr xmlns:ahyp="http://schemas.microsoft.com/office/drawing/2018/hyperlinkcolor" val="tx"/>
+                      <ahyp:hlinkClr xmlns:ahyp="http://schemas.microsoft.com/office/drawing/2018/hyperlinkcolor" xmlns="" val="tx"/>
                     </a:ext>
                   </a:extLst>
                 </a:hlinkClick>
@@ -20890,18 +21179,25 @@
             <a:endParaRPr lang="en-US" sz="1800" b="1" dirty="0"/>
           </a:p>
           <a:p>
+            <a:pPr algn="just"/>
             <a:r>
               <a:rPr lang="en-US" sz="1800" dirty="0"/>
               <a:t>Here we have multiple draw methods but they have different behavior. This is a case of method overloading because all the methods name is same and arguments are different. Here compiler will be able to identify the method to invoke at compile-time, hence it’s called compile-time polymorphism.</a:t>
             </a:r>
           </a:p>
           <a:p>
+            <a:pPr algn="just"/>
             <a:r>
               <a:rPr lang="en-US" sz="1800" dirty="0"/>
               <a:t>Runtime polymorphism is implemented when we have “IS-A” relationship between objects. This is also called a method overriding because subclass has to override the superclass method for runtime polymorphism.</a:t>
             </a:r>
           </a:p>
           <a:p>
+            <a:pPr algn="just"/>
+            <a:r>
+              <a:rPr lang="en-US" sz="1800" dirty="0"/>
+              <a:t/>
+            </a:r>
             <a:br>
               <a:rPr lang="en-US" sz="1800" dirty="0"/>
             </a:br>
@@ -20912,7 +21208,7 @@
     </p:spTree>
     <p:extLst>
       <p:ext uri="{BB962C8B-B14F-4D97-AF65-F5344CB8AC3E}">
-        <p14:creationId xmlns:p14="http://schemas.microsoft.com/office/powerpoint/2010/main" val="1477526038"/>
+        <p14:creationId xmlns:p14="http://schemas.microsoft.com/office/powerpoint/2010/main" xmlns="" val="1477526038"/>
       </p:ext>
     </p:extLst>
   </p:cSld>
@@ -21003,10 +21299,7 @@
           </a:bodyPr>
           <a:lstStyle/>
           <a:p>
-            <a:pPr marL="457200" indent="-457200">
-              <a:buFont typeface="Arial" panose="020B0604020202020204" pitchFamily="34" charset="0"/>
-              <a:buChar char="•"/>
-            </a:pPr>
+            <a:pPr marL="457200" indent="-457200"/>
             <a:r>
               <a:rPr lang="en-US" sz="1800" b="1" dirty="0"/>
               <a:t>Polymorphism</a:t>
@@ -21019,10 +21312,7 @@
             </a:r>
           </a:p>
           <a:p>
-            <a:pPr marL="457200" indent="-457200">
-              <a:buFont typeface="Arial" panose="020B0604020202020204" pitchFamily="34" charset="0"/>
-              <a:buChar char="•"/>
-            </a:pPr>
+            <a:pPr marL="457200" indent="-457200"/>
             <a:r>
               <a:rPr lang="en-US" sz="1800" b="1" dirty="0"/>
               <a:t>Inheritance</a:t>
@@ -21043,7 +21333,7 @@
     </p:spTree>
     <p:extLst>
       <p:ext uri="{BB962C8B-B14F-4D97-AF65-F5344CB8AC3E}">
-        <p14:creationId xmlns:p14="http://schemas.microsoft.com/office/powerpoint/2010/main" val="1825935882"/>
+        <p14:creationId xmlns:p14="http://schemas.microsoft.com/office/powerpoint/2010/main" xmlns="" val="1825935882"/>
       </p:ext>
     </p:extLst>
   </p:cSld>
@@ -21169,7 +21459,7 @@
     </p:spTree>
     <p:extLst>
       <p:ext uri="{BB962C8B-B14F-4D97-AF65-F5344CB8AC3E}">
-        <p14:creationId xmlns:p14="http://schemas.microsoft.com/office/powerpoint/2010/main" val="784081056"/>
+        <p14:creationId xmlns:p14="http://schemas.microsoft.com/office/powerpoint/2010/main" xmlns="" val="784081056"/>
       </p:ext>
     </p:extLst>
   </p:cSld>
@@ -21260,7 +21550,7 @@
           </a:bodyPr>
           <a:lstStyle/>
           <a:p>
-            <a:pPr marL="457200" indent="-457200">
+            <a:pPr marL="457200" indent="-457200" algn="just">
               <a:buFont typeface="Arial" panose="020B0604020202020204" pitchFamily="34" charset="0"/>
               <a:buChar char="•"/>
             </a:pPr>
@@ -21270,24 +21560,25 @@
             </a:r>
           </a:p>
           <a:p>
-            <a:pPr marL="457200" indent="-457200">
+            <a:pPr marL="457200" indent="-457200" algn="just"/>
+            <a:r>
+              <a:rPr lang="en-US" sz="1800" dirty="0" smtClean="0"/>
+              <a:t>	Association </a:t>
+            </a:r>
+            <a:r>
+              <a:rPr lang="en-US" sz="1800" dirty="0"/>
+              <a:t>is the OOPS concept to define the relationship between objects. The association defines the multiplicity between objects. For example Teacher and Student objects. There is a one-to-many relationship between a teacher and students. Similarly, a student can have a one-to-many relationship with teacher objects. However, both student and teacher objects are independent of each other.</a:t>
+            </a:r>
+          </a:p>
+          <a:p>
+            <a:pPr marL="457200" indent="-457200" algn="just">
               <a:buFont typeface="Arial" panose="020B0604020202020204" pitchFamily="34" charset="0"/>
               <a:buChar char="•"/>
             </a:pPr>
-            <a:r>
-              <a:rPr lang="en-US" sz="1800" dirty="0"/>
-              <a:t>Association is the OOPS concept to define the relationship between objects. The association defines the multiplicity between objects. For example Teacher and Student objects. There is a one-to-many relationship between a teacher and students. Similarly, a student can have a one-to-many relationship with teacher objects. However, both student and teacher objects are independent of each other.</a:t>
-            </a:r>
-          </a:p>
-          <a:p>
-            <a:pPr marL="457200" indent="-457200">
-              <a:buFont typeface="Arial" panose="020B0604020202020204" pitchFamily="34" charset="0"/>
-              <a:buChar char="•"/>
-            </a:pPr>
             <a:endParaRPr lang="en-US" b="1" dirty="0"/>
           </a:p>
           <a:p>
-            <a:pPr marL="457200" indent="-457200">
+            <a:pPr marL="457200" indent="-457200" algn="just">
               <a:buFont typeface="Arial" panose="020B0604020202020204" pitchFamily="34" charset="0"/>
               <a:buChar char="•"/>
             </a:pPr>
@@ -21298,7 +21589,7 @@
     </p:spTree>
     <p:extLst>
       <p:ext uri="{BB962C8B-B14F-4D97-AF65-F5344CB8AC3E}">
-        <p14:creationId xmlns:p14="http://schemas.microsoft.com/office/powerpoint/2010/main" val="1936454970"/>
+        <p14:creationId xmlns:p14="http://schemas.microsoft.com/office/powerpoint/2010/main" xmlns="" val="1936454970"/>
       </p:ext>
     </p:extLst>
   </p:cSld>
@@ -21389,7 +21680,7 @@
           </a:bodyPr>
           <a:lstStyle/>
           <a:p>
-            <a:pPr marL="457200" indent="-457200">
+            <a:pPr marL="457200" indent="-457200" algn="just">
               <a:buFont typeface="Arial" panose="020B0604020202020204" pitchFamily="34" charset="0"/>
               <a:buChar char="•"/>
             </a:pPr>
@@ -21399,7 +21690,7 @@
             </a:r>
           </a:p>
           <a:p>
-            <a:pPr marL="457200" indent="-457200">
+            <a:pPr marL="457200" indent="-457200" algn="just">
               <a:buFont typeface="Arial" panose="020B0604020202020204" pitchFamily="34" charset="0"/>
               <a:buChar char="•"/>
             </a:pPr>
@@ -21410,7 +21701,7 @@
             <a:endParaRPr lang="en-US" sz="2000" b="1" dirty="0"/>
           </a:p>
           <a:p>
-            <a:pPr marL="457200" indent="-457200">
+            <a:pPr marL="457200" indent="-457200" algn="just">
               <a:buFont typeface="Arial" panose="020B0604020202020204" pitchFamily="34" charset="0"/>
               <a:buChar char="•"/>
             </a:pPr>
@@ -21421,7 +21712,7 @@
     </p:spTree>
     <p:extLst>
       <p:ext uri="{BB962C8B-B14F-4D97-AF65-F5344CB8AC3E}">
-        <p14:creationId xmlns:p14="http://schemas.microsoft.com/office/powerpoint/2010/main" val="3042664828"/>
+        <p14:creationId xmlns:p14="http://schemas.microsoft.com/office/powerpoint/2010/main" xmlns="" val="3042664828"/>
       </p:ext>
     </p:extLst>
   </p:cSld>
@@ -21679,7 +21970,7 @@
             </a:r>
           </a:p>
           <a:p>
-            <a:pPr fontAlgn="base"/>
+            <a:pPr algn="just" fontAlgn="base"/>
             <a:r>
               <a:rPr lang="en-US" sz="2000" dirty="0"/>
               <a:t>	Before Collection Framework (or before JDK 1.2) was 	introduced, the standard methods for grouping Java objects (or 	collections) were Arrays or Vectors or </a:t>
@@ -21719,7 +22010,7 @@
     </p:spTree>
     <p:extLst>
       <p:ext uri="{BB962C8B-B14F-4D97-AF65-F5344CB8AC3E}">
-        <p14:creationId xmlns:p14="http://schemas.microsoft.com/office/powerpoint/2010/main" val="4012934508"/>
+        <p14:creationId xmlns:p14="http://schemas.microsoft.com/office/powerpoint/2010/main" xmlns="" val="4012934508"/>
       </p:ext>
     </p:extLst>
   </p:cSld>
@@ -21830,7 +22121,7 @@
           <p:cNvPr id="3" name="Picture 2">
             <a:extLst>
               <a:ext uri="{FF2B5EF4-FFF2-40B4-BE49-F238E27FC236}">
-                <a16:creationId xmlns:a16="http://schemas.microsoft.com/office/drawing/2014/main" id="{55E85563-5969-47CA-A1F4-ACA6E93F74AE}"/>
+                <a16:creationId xmlns:a16="http://schemas.microsoft.com/office/drawing/2014/main" xmlns="" id="{55E85563-5969-47CA-A1F4-ACA6E93F74AE}"/>
               </a:ext>
             </a:extLst>
           </p:cNvPr>
@@ -21858,7 +22149,7 @@
     </p:spTree>
     <p:extLst>
       <p:ext uri="{BB962C8B-B14F-4D97-AF65-F5344CB8AC3E}">
-        <p14:creationId xmlns:p14="http://schemas.microsoft.com/office/powerpoint/2010/main" val="3127214260"/>
+        <p14:creationId xmlns:p14="http://schemas.microsoft.com/office/powerpoint/2010/main" xmlns="" val="3127214260"/>
       </p:ext>
     </p:extLst>
   </p:cSld>
@@ -21949,7 +22240,7 @@
           </a:bodyPr>
           <a:lstStyle/>
           <a:p>
-            <a:pPr fontAlgn="base"/>
+            <a:pPr algn="just" fontAlgn="base"/>
             <a:r>
               <a:rPr lang="en-US" sz="2000" b="1" dirty="0"/>
               <a:t>Advantages of Collection Framework:</a:t>
@@ -21957,7 +22248,7 @@
             <a:endParaRPr lang="en-US" sz="2000" dirty="0"/>
           </a:p>
           <a:p>
-            <a:pPr fontAlgn="base"/>
+            <a:pPr algn="just" fontAlgn="base"/>
             <a:r>
               <a:rPr lang="en-US" sz="2000" dirty="0"/>
               <a:t>Consistent API : The API has a basic set of interfaces like Collection, Set, List, or Map. All classes (</a:t>
@@ -21988,28 +22279,28 @@
             </a:r>
           </a:p>
           <a:p>
-            <a:pPr fontAlgn="base"/>
+            <a:pPr algn="just" fontAlgn="base"/>
             <a:r>
               <a:rPr lang="en-US" sz="2000" dirty="0"/>
               <a:t>Reduces programming effort: A programmer doesn’t have to worry about the design of Collection, and he can focus on its best use in his program.</a:t>
             </a:r>
           </a:p>
           <a:p>
-            <a:pPr fontAlgn="base"/>
+            <a:pPr algn="just" fontAlgn="base"/>
             <a:r>
               <a:rPr lang="en-US" sz="2000" dirty="0"/>
               <a:t>Increases program speed and quality: Increases performance by providing high-performance implementations of useful data structures and algorithms.</a:t>
             </a:r>
           </a:p>
           <a:p>
-            <a:pPr marL="457200" indent="-457200">
+            <a:pPr marL="457200" indent="-457200" algn="just">
               <a:buFont typeface="Arial" panose="020B0604020202020204" pitchFamily="34" charset="0"/>
               <a:buChar char="•"/>
             </a:pPr>
             <a:endParaRPr lang="en-US" sz="2000" dirty="0"/>
           </a:p>
           <a:p>
-            <a:pPr marL="457200" indent="-457200">
+            <a:pPr marL="457200" indent="-457200" algn="just">
               <a:buFont typeface="Arial" panose="020B0604020202020204" pitchFamily="34" charset="0"/>
               <a:buChar char="•"/>
             </a:pPr>
@@ -22020,7 +22311,7 @@
     </p:spTree>
     <p:extLst>
       <p:ext uri="{BB962C8B-B14F-4D97-AF65-F5344CB8AC3E}">
-        <p14:creationId xmlns:p14="http://schemas.microsoft.com/office/powerpoint/2010/main" val="877470504"/>
+        <p14:creationId xmlns:p14="http://schemas.microsoft.com/office/powerpoint/2010/main" xmlns="" val="877470504"/>
       </p:ext>
     </p:extLst>
   </p:cSld>
@@ -22059,7 +22350,7 @@
         </p:nvSpPr>
         <p:spPr>
           <a:xfrm>
-            <a:off x="457200" y="205978"/>
+            <a:off x="457200" y="126465"/>
             <a:ext cx="8229600" cy="857400"/>
           </a:xfrm>
           <a:prstGeom prst="rect">
@@ -22098,8 +22389,8 @@
         </p:nvSpPr>
         <p:spPr>
           <a:xfrm>
-            <a:off x="457200" y="1109923"/>
-            <a:ext cx="8229600" cy="3725699"/>
+            <a:off x="457200" y="960837"/>
+            <a:ext cx="8229600" cy="4033577"/>
           </a:xfrm>
           <a:prstGeom prst="rect">
             <a:avLst/>
@@ -22121,29 +22412,89 @@
             </a:r>
           </a:p>
           <a:p>
+            <a:pPr marL="457200" indent="-457200"/>
+            <a:r>
+              <a:rPr lang="en-US" sz="2000" dirty="0"/>
+              <a:t>        </a:t>
+            </a:r>
+            <a:r>
+              <a:rPr lang="en-US" sz="2000" dirty="0" smtClean="0"/>
+              <a:t>contains</a:t>
+            </a:r>
+            <a:r>
+              <a:rPr lang="en-US" sz="2000" dirty="0"/>
+              <a:t>(), </a:t>
+            </a:r>
+            <a:r>
+              <a:rPr lang="en-US" sz="2000" dirty="0" err="1"/>
+              <a:t>isEmpty</a:t>
+            </a:r>
+            <a:r>
+              <a:rPr lang="en-US" sz="2000" dirty="0"/>
+              <a:t>(), </a:t>
+            </a:r>
+            <a:r>
+              <a:rPr lang="en-US" sz="2000" dirty="0" err="1"/>
+              <a:t>addAll</a:t>
+            </a:r>
+            <a:r>
+              <a:rPr lang="en-US" sz="2000" dirty="0"/>
+              <a:t>(), ... etc.</a:t>
+            </a:r>
+          </a:p>
+          <a:p>
+            <a:pPr marL="457200" indent="-457200"/>
+            <a:r>
+              <a:rPr lang="en-US" sz="2000" dirty="0"/>
+              <a:t> </a:t>
+            </a:r>
+          </a:p>
+          <a:p>
             <a:pPr marL="457200" indent="-457200">
               <a:buFont typeface="Arial" panose="020B0604020202020204" pitchFamily="34" charset="0"/>
               <a:buChar char="•"/>
             </a:pPr>
             <a:r>
               <a:rPr lang="en-US" sz="2000" dirty="0"/>
-              <a:t>             contains(), </a:t>
+              <a:t>Set : Doesn't allow duplicates. Example implementations of Set </a:t>
+            </a:r>
+          </a:p>
+          <a:p>
+            <a:pPr marL="457200" indent="-457200"/>
+            <a:r>
+              <a:rPr lang="en-US" sz="2000" dirty="0"/>
+              <a:t>      interface are HashSet (Hashing based) and </a:t>
             </a:r>
             <a:r>
               <a:rPr lang="en-US" sz="2000" dirty="0" err="1"/>
-              <a:t>isEmpty</a:t>
+              <a:t>TreeSet</a:t>
             </a:r>
             <a:r>
               <a:rPr lang="en-US" sz="2000" dirty="0"/>
-              <a:t>(), </a:t>
+              <a:t> (balanced</a:t>
+            </a:r>
+          </a:p>
+          <a:p>
+            <a:pPr marL="457200" indent="-457200"/>
+            <a:r>
+              <a:rPr lang="en-US" sz="2000" dirty="0"/>
+              <a:t>      BST based). Note that </a:t>
             </a:r>
             <a:r>
               <a:rPr lang="en-US" sz="2000" dirty="0" err="1"/>
-              <a:t>addAll</a:t>
+              <a:t>TreeSet</a:t>
             </a:r>
             <a:r>
               <a:rPr lang="en-US" sz="2000" dirty="0"/>
-              <a:t>(), ... etc.</a:t>
+              <a:t> implements </a:t>
+            </a:r>
+            <a:r>
+              <a:rPr lang="en-US" sz="2000" dirty="0" err="1"/>
+              <a:t>SortedSet</a:t>
+            </a:r>
+            <a:r>
+              <a:rPr lang="en-US" sz="2000" dirty="0"/>
+              <a:t>.</a:t>
             </a:r>
           </a:p>
           <a:p>
@@ -22151,10 +22502,7 @@
               <a:buFont typeface="Arial" panose="020B0604020202020204" pitchFamily="34" charset="0"/>
               <a:buChar char="•"/>
             </a:pPr>
-            <a:r>
-              <a:rPr lang="en-US" sz="2000" dirty="0"/>
-              <a:t> </a:t>
-            </a:r>
+            <a:endParaRPr lang="en-US" sz="2000" dirty="0"/>
           </a:p>
           <a:p>
             <a:pPr marL="457200" indent="-457200">
@@ -22163,7 +22511,29 @@
             </a:pPr>
             <a:r>
               <a:rPr lang="en-US" sz="2000" dirty="0"/>
-              <a:t>Set : Doesn't allow duplicates. Example implementations of Set </a:t>
+              <a:t>List : Can contain duplicates and elements are ordered. Example</a:t>
+            </a:r>
+          </a:p>
+          <a:p>
+            <a:pPr marL="457200" indent="-457200"/>
+            <a:r>
+              <a:rPr lang="en-US" sz="2000" dirty="0"/>
+              <a:t>       implementations are LinkedList (linked list based) and</a:t>
+            </a:r>
+          </a:p>
+          <a:p>
+            <a:pPr marL="457200" indent="-457200"/>
+            <a:r>
+              <a:rPr lang="en-US" sz="2000" dirty="0"/>
+              <a:t>       </a:t>
+            </a:r>
+            <a:r>
+              <a:rPr lang="en-US" sz="2000" dirty="0" err="1"/>
+              <a:t>ArrayList</a:t>
+            </a:r>
+            <a:r>
+              <a:rPr lang="en-US" sz="2000" dirty="0"/>
+              <a:t> (dynamic array based)</a:t>
             </a:r>
           </a:p>
           <a:p>
@@ -22171,18 +22541,7 @@
               <a:buFont typeface="Arial" panose="020B0604020202020204" pitchFamily="34" charset="0"/>
               <a:buChar char="•"/>
             </a:pPr>
-            <a:r>
-              <a:rPr lang="en-US" sz="2000" dirty="0"/>
-              <a:t>      interface are HashSet (Hashing based) and </a:t>
-            </a:r>
-            <a:r>
-              <a:rPr lang="en-US" sz="2000" dirty="0" err="1"/>
-              <a:t>TreeSet</a:t>
-            </a:r>
-            <a:r>
-              <a:rPr lang="en-US" sz="2000" dirty="0"/>
-              <a:t> (balanced</a:t>
-            </a:r>
+            <a:endParaRPr lang="en-US" sz="2000" dirty="0"/>
           </a:p>
           <a:p>
             <a:pPr marL="457200" indent="-457200">
@@ -22191,23 +22550,22 @@
             </a:pPr>
             <a:r>
               <a:rPr lang="en-US" sz="2000" dirty="0"/>
-              <a:t>      BST based). Note that </a:t>
+              <a:t>Queue : Typically order elements in FIFO order except exceptions</a:t>
+            </a:r>
+          </a:p>
+          <a:p>
+            <a:pPr marL="457200" indent="-457200"/>
+            <a:r>
+              <a:rPr lang="en-US" sz="2000" dirty="0"/>
+              <a:t>        like </a:t>
             </a:r>
             <a:r>
               <a:rPr lang="en-US" sz="2000" dirty="0" err="1"/>
-              <a:t>TreeSet</a:t>
+              <a:t>PriorityQueue</a:t>
             </a:r>
             <a:r>
               <a:rPr lang="en-US" sz="2000" dirty="0"/>
-              <a:t> implements </a:t>
-            </a:r>
-            <a:r>
-              <a:rPr lang="en-US" sz="2000" dirty="0" err="1"/>
-              <a:t>SortedSet</a:t>
-            </a:r>
-            <a:r>
-              <a:rPr lang="en-US" sz="2000" dirty="0"/>
-              <a:t>.</a:t>
+              <a:t>.  </a:t>
             </a:r>
           </a:p>
           <a:p>
@@ -22217,92 +22575,12 @@
             </a:pPr>
             <a:endParaRPr lang="en-US" sz="2000" dirty="0"/>
           </a:p>
-          <a:p>
-            <a:pPr marL="457200" indent="-457200">
-              <a:buFont typeface="Arial" panose="020B0604020202020204" pitchFamily="34" charset="0"/>
-              <a:buChar char="•"/>
-            </a:pPr>
-            <a:r>
-              <a:rPr lang="en-US" sz="2000" dirty="0"/>
-              <a:t>List : Can contain duplicates and elements are ordered. Example</a:t>
-            </a:r>
-          </a:p>
-          <a:p>
-            <a:pPr marL="457200" indent="-457200">
-              <a:buFont typeface="Arial" panose="020B0604020202020204" pitchFamily="34" charset="0"/>
-              <a:buChar char="•"/>
-            </a:pPr>
-            <a:r>
-              <a:rPr lang="en-US" sz="2000" dirty="0"/>
-              <a:t>       implementations are LinkedList (linked list based) and</a:t>
-            </a:r>
-          </a:p>
-          <a:p>
-            <a:pPr marL="457200" indent="-457200">
-              <a:buFont typeface="Arial" panose="020B0604020202020204" pitchFamily="34" charset="0"/>
-              <a:buChar char="•"/>
-            </a:pPr>
-            <a:r>
-              <a:rPr lang="en-US" sz="2000" dirty="0"/>
-              <a:t>       </a:t>
-            </a:r>
-            <a:r>
-              <a:rPr lang="en-US" sz="2000" dirty="0" err="1"/>
-              <a:t>ArrayList</a:t>
-            </a:r>
-            <a:r>
-              <a:rPr lang="en-US" sz="2000" dirty="0"/>
-              <a:t> (dynamic array based)</a:t>
-            </a:r>
-          </a:p>
-          <a:p>
-            <a:pPr marL="457200" indent="-457200">
-              <a:buFont typeface="Arial" panose="020B0604020202020204" pitchFamily="34" charset="0"/>
-              <a:buChar char="•"/>
-            </a:pPr>
-            <a:endParaRPr lang="en-US" sz="2000" dirty="0"/>
-          </a:p>
-          <a:p>
-            <a:pPr marL="457200" indent="-457200">
-              <a:buFont typeface="Arial" panose="020B0604020202020204" pitchFamily="34" charset="0"/>
-              <a:buChar char="•"/>
-            </a:pPr>
-            <a:r>
-              <a:rPr lang="en-US" sz="2000" dirty="0"/>
-              <a:t>Queue : Typically order elements in FIFO order except exceptions</a:t>
-            </a:r>
-          </a:p>
-          <a:p>
-            <a:pPr marL="457200" indent="-457200">
-              <a:buFont typeface="Arial" panose="020B0604020202020204" pitchFamily="34" charset="0"/>
-              <a:buChar char="•"/>
-            </a:pPr>
-            <a:r>
-              <a:rPr lang="en-US" sz="2000" dirty="0"/>
-              <a:t>        like </a:t>
-            </a:r>
-            <a:r>
-              <a:rPr lang="en-US" sz="2000" dirty="0" err="1"/>
-              <a:t>PriorityQueue</a:t>
-            </a:r>
-            <a:r>
-              <a:rPr lang="en-US" sz="2000" dirty="0"/>
-              <a:t>.  </a:t>
-            </a:r>
-          </a:p>
-          <a:p>
-            <a:pPr marL="457200" indent="-457200">
-              <a:buFont typeface="Arial" panose="020B0604020202020204" pitchFamily="34" charset="0"/>
-              <a:buChar char="•"/>
-            </a:pPr>
-            <a:endParaRPr lang="en-US" sz="2000" dirty="0"/>
-          </a:p>
         </p:txBody>
       </p:sp>
     </p:spTree>
     <p:extLst>
       <p:ext uri="{BB962C8B-B14F-4D97-AF65-F5344CB8AC3E}">
-        <p14:creationId xmlns:p14="http://schemas.microsoft.com/office/powerpoint/2010/main" val="43431451"/>
+        <p14:creationId xmlns:p14="http://schemas.microsoft.com/office/powerpoint/2010/main" xmlns="" val="43431451"/>
       </p:ext>
     </p:extLst>
   </p:cSld>
@@ -22398,12 +22676,20 @@
               <a:buChar char="•"/>
             </a:pPr>
             <a:r>
-              <a:rPr lang="en-US" sz="2000"/>
-              <a:t>Deque </a:t>
+              <a:rPr lang="en-US" sz="2000" dirty="0" err="1"/>
+              <a:t>Deque</a:t>
             </a:r>
             <a:r>
               <a:rPr lang="en-US" sz="2000" dirty="0"/>
-              <a:t>: Elements can be inserted and removed at both ends. Allows</a:t>
+              <a:t> : Elements can be inserted and removed at both </a:t>
+            </a:r>
+            <a:r>
+              <a:rPr lang="en-US" sz="2000" dirty="0" smtClean="0"/>
+              <a:t>ends. Allows  </a:t>
+            </a:r>
+            <a:r>
+              <a:rPr lang="en-US" sz="2000" dirty="0"/>
+              <a:t>both LIFO and FIFO. </a:t>
             </a:r>
           </a:p>
           <a:p>
@@ -22411,27 +22697,51 @@
               <a:buFont typeface="Arial" panose="020B0604020202020204" pitchFamily="34" charset="0"/>
               <a:buChar char="•"/>
             </a:pPr>
-            <a:r>
-              <a:rPr lang="en-US" sz="2000" dirty="0"/>
-              <a:t>        both LIFO and FIFO. </a:t>
-            </a:r>
+            <a:endParaRPr lang="en-US" sz="2000" dirty="0"/>
           </a:p>
           <a:p>
             <a:pPr marL="457200" indent="-457200">
               <a:buFont typeface="Arial" panose="020B0604020202020204" pitchFamily="34" charset="0"/>
               <a:buChar char="•"/>
             </a:pPr>
-            <a:endParaRPr lang="en-US" sz="2000" dirty="0"/>
+            <a:r>
+              <a:rPr lang="en-US" sz="2000" dirty="0"/>
+              <a:t>Map : Contains Key value pairs. Doesn't allow duplicates.  Example</a:t>
+            </a:r>
+          </a:p>
+          <a:p>
+            <a:pPr marL="457200" indent="-457200"/>
+            <a:r>
+              <a:rPr lang="en-US" sz="2000" dirty="0" smtClean="0"/>
+              <a:t>implementation </a:t>
+            </a:r>
+            <a:r>
+              <a:rPr lang="en-US" sz="2000" dirty="0"/>
+              <a:t>are HashMap and TreeMap. </a:t>
+            </a:r>
+            <a:r>
+              <a:rPr lang="en-US" sz="2000" dirty="0" smtClean="0"/>
+              <a:t>TreeMap </a:t>
+            </a:r>
+            <a:r>
+              <a:rPr lang="en-US" sz="2000" dirty="0"/>
+              <a:t>implements </a:t>
+            </a:r>
+            <a:r>
+              <a:rPr lang="en-US" sz="2000" dirty="0" err="1"/>
+              <a:t>SortedMap</a:t>
+            </a:r>
+            <a:r>
+              <a:rPr lang="en-US" sz="2000" dirty="0"/>
+              <a:t>.        </a:t>
+            </a:r>
           </a:p>
           <a:p>
             <a:pPr marL="457200" indent="-457200">
               <a:buFont typeface="Arial" panose="020B0604020202020204" pitchFamily="34" charset="0"/>
               <a:buChar char="•"/>
             </a:pPr>
-            <a:r>
-              <a:rPr lang="en-US" sz="2000" dirty="0"/>
-              <a:t>Map : Contains Key value pairs. Doesn't allow duplicates.  Example</a:t>
-            </a:r>
+            <a:endParaRPr lang="en-US" sz="2000" dirty="0"/>
           </a:p>
           <a:p>
             <a:pPr marL="457200" indent="-457200">
@@ -22440,15 +22750,14 @@
             </a:pPr>
             <a:r>
               <a:rPr lang="en-US" sz="2000" dirty="0"/>
-              <a:t>      implementation are HashMap and </a:t>
-            </a:r>
-            <a:r>
-              <a:rPr lang="en-US" sz="2000" dirty="0" err="1"/>
-              <a:t>TreeMap</a:t>
-            </a:r>
+              <a:t>The difference between Set and Map interface is that in Set we </a:t>
+            </a:r>
+          </a:p>
+          <a:p>
+            <a:pPr marL="457200" indent="-457200"/>
             <a:r>
               <a:rPr lang="en-US" sz="2000" dirty="0"/>
-              <a:t>. </a:t>
+              <a:t>have only keys, whereas in Map, we have key, value pairs.</a:t>
             </a:r>
           </a:p>
           <a:p>
@@ -22456,59 +22765,6 @@
               <a:buFont typeface="Arial" panose="020B0604020202020204" pitchFamily="34" charset="0"/>
               <a:buChar char="•"/>
             </a:pPr>
-            <a:r>
-              <a:rPr lang="en-US" sz="2000" dirty="0"/>
-              <a:t>      </a:t>
-            </a:r>
-            <a:r>
-              <a:rPr lang="en-US" sz="2000" dirty="0" err="1"/>
-              <a:t>TreeMap</a:t>
-            </a:r>
-            <a:r>
-              <a:rPr lang="en-US" sz="2000" dirty="0"/>
-              <a:t> implements </a:t>
-            </a:r>
-            <a:r>
-              <a:rPr lang="en-US" sz="2000" dirty="0" err="1"/>
-              <a:t>SortedMap</a:t>
-            </a:r>
-            <a:r>
-              <a:rPr lang="en-US" sz="2000" dirty="0"/>
-              <a:t>.        </a:t>
-            </a:r>
-          </a:p>
-          <a:p>
-            <a:pPr marL="457200" indent="-457200">
-              <a:buFont typeface="Arial" panose="020B0604020202020204" pitchFamily="34" charset="0"/>
-              <a:buChar char="•"/>
-            </a:pPr>
-            <a:endParaRPr lang="en-US" sz="2000" dirty="0"/>
-          </a:p>
-          <a:p>
-            <a:pPr marL="457200" indent="-457200">
-              <a:buFont typeface="Arial" panose="020B0604020202020204" pitchFamily="34" charset="0"/>
-              <a:buChar char="•"/>
-            </a:pPr>
-            <a:r>
-              <a:rPr lang="en-US" sz="2000" dirty="0"/>
-              <a:t>The difference between Set and Map interface is that in Set we </a:t>
-            </a:r>
-          </a:p>
-          <a:p>
-            <a:pPr marL="457200" indent="-457200">
-              <a:buFont typeface="Arial" panose="020B0604020202020204" pitchFamily="34" charset="0"/>
-              <a:buChar char="•"/>
-            </a:pPr>
-            <a:r>
-              <a:rPr lang="en-US" sz="2000" dirty="0"/>
-              <a:t>have only keys, whereas in Map, we have key, value pairs.</a:t>
-            </a:r>
-          </a:p>
-          <a:p>
-            <a:pPr marL="457200" indent="-457200">
-              <a:buFont typeface="Arial" panose="020B0604020202020204" pitchFamily="34" charset="0"/>
-              <a:buChar char="•"/>
-            </a:pPr>
             <a:endParaRPr lang="en-US" sz="1800" dirty="0"/>
           </a:p>
         </p:txBody>
@@ -22516,7 +22772,7 @@
     </p:spTree>
     <p:extLst>
       <p:ext uri="{BB962C8B-B14F-4D97-AF65-F5344CB8AC3E}">
-        <p14:creationId xmlns:p14="http://schemas.microsoft.com/office/powerpoint/2010/main" val="655456498"/>
+        <p14:creationId xmlns:p14="http://schemas.microsoft.com/office/powerpoint/2010/main" xmlns="" val="655456498"/>
       </p:ext>
     </p:extLst>
   </p:cSld>
@@ -22590,7 +22846,7 @@
           <p:cNvPr id="2" name="Title 1">
             <a:extLst>
               <a:ext uri="{FF2B5EF4-FFF2-40B4-BE49-F238E27FC236}">
-                <a16:creationId xmlns:a16="http://schemas.microsoft.com/office/drawing/2014/main" id="{BC62665A-3BA6-4076-8B82-D102ED9BF0C9}"/>
+                <a16:creationId xmlns:a16="http://schemas.microsoft.com/office/drawing/2014/main" xmlns="" id="{BC62665A-3BA6-4076-8B82-D102ED9BF0C9}"/>
               </a:ext>
             </a:extLst>
           </p:cNvPr>
@@ -22613,7 +22869,7 @@
     </p:spTree>
     <p:extLst>
       <p:ext uri="{BB962C8B-B14F-4D97-AF65-F5344CB8AC3E}">
-        <p14:creationId xmlns:p14="http://schemas.microsoft.com/office/powerpoint/2010/main" val="151339482"/>
+        <p14:creationId xmlns:p14="http://schemas.microsoft.com/office/powerpoint/2010/main" xmlns="" val="151339482"/>
       </p:ext>
     </p:extLst>
   </p:cSld>
